--- a/Online Fraud Detection (1).pptx
+++ b/Online Fraud Detection (1).pptx
@@ -1,36 +1,36 @@
 
 <file path=ppt/presentation.xml><?xml version="1.0" encoding="utf-8"?>
-<p:presentation xmlns:a="http://schemas.openxmlformats.org/drawingml/2006/main" xmlns:r="http://schemas.openxmlformats.org/officeDocument/2006/relationships" xmlns:p="http://schemas.openxmlformats.org/presentationml/2006/main" saveSubsetFonts="1" embedTrueTypeFonts="true">
+<p:presentation xmlns:a="http://schemas.openxmlformats.org/drawingml/2006/main" xmlns:r="http://schemas.openxmlformats.org/officeDocument/2006/relationships" xmlns:p="http://schemas.openxmlformats.org/presentationml/2006/main" embedTrueTypeFonts="1" saveSubsetFonts="1">
   <p:sldMasterIdLst>
     <p:sldMasterId id="2147483648" r:id="rId1"/>
   </p:sldMasterIdLst>
   <p:sldIdLst>
-    <p:sldId id="256" r:id="rId6"/>
-    <p:sldId id="257" r:id="rId7"/>
-    <p:sldId id="258" r:id="rId8"/>
-    <p:sldId id="259" r:id="rId9"/>
-    <p:sldId id="260" r:id="rId10"/>
-    <p:sldId id="261" r:id="rId11"/>
-    <p:sldId id="262" r:id="rId12"/>
+    <p:sldId id="256" r:id="rId2"/>
+    <p:sldId id="257" r:id="rId3"/>
+    <p:sldId id="258" r:id="rId4"/>
+    <p:sldId id="259" r:id="rId5"/>
+    <p:sldId id="260" r:id="rId6"/>
+    <p:sldId id="261" r:id="rId7"/>
+    <p:sldId id="262" r:id="rId8"/>
   </p:sldIdLst>
   <p:sldSz cx="18288000" cy="10287000"/>
   <p:notesSz cx="6858000" cy="9144000"/>
   <p:embeddedFontLst>
     <p:embeddedFont>
-      <p:font typeface="Telegraf Bold" charset="1" panose="00000800000000000000"/>
-      <p:regular r:id="rId13"/>
+      <p:font typeface="Open Sauce" panose="020B0604020202020204" charset="0"/>
+      <p:regular r:id="rId9"/>
     </p:embeddedFont>
     <p:embeddedFont>
-      <p:font typeface="Poppins" charset="1" panose="00000500000000000000"/>
-      <p:regular r:id="rId14"/>
+      <p:font typeface="Poppins" panose="00000500000000000000" pitchFamily="2" charset="0"/>
+      <p:regular r:id="rId10"/>
     </p:embeddedFont>
     <p:embeddedFont>
-      <p:font typeface="Open Sauce" charset="1" panose="00000500000000000000"/>
-      <p:regular r:id="rId15"/>
+      <p:font typeface="Poppins Bold" panose="020B0604020202020204" charset="0"/>
+      <p:regular r:id="rId11"/>
     </p:embeddedFont>
     <p:embeddedFont>
-      <p:font typeface="Poppins Bold" charset="1" panose="00000800000000000000"/>
-      <p:regular r:id="rId16"/>
+      <p:font typeface="Telegraf Bold" panose="020B0604020202020204" charset="0"/>
+      <p:regular r:id="rId12"/>
     </p:embeddedFont>
   </p:embeddedFontLst>
   <p:defaultTextStyle>
@@ -128,6 +128,22 @@
       </a:defRPr>
     </a:lvl9pPr>
   </p:defaultTextStyle>
+  <p:extLst>
+    <p:ext uri="{EFAFB233-063F-42B5-8137-9DF3F51BA10A}">
+      <p15:sldGuideLst xmlns:p15="http://schemas.microsoft.com/office/powerpoint/2012/main">
+        <p15:guide id="1" orient="horz" pos="2160">
+          <p15:clr>
+            <a:srgbClr val="A4A3A4"/>
+          </p15:clr>
+        </p15:guide>
+        <p15:guide id="2" pos="2880">
+          <p15:clr>
+            <a:srgbClr val="A4A3A4"/>
+          </p15:clr>
+        </p15:guide>
+      </p15:sldGuideLst>
+    </p:ext>
+  </p:extLst>
 </p:presentation>
 </file>
 
@@ -169,10 +185,9 @@
           <a:lstStyle/>
           <a:p>
             <a:r>
-              <a:rPr lang="en-US" smtClean="0"/>
+              <a:rPr lang="en-US"/>
               <a:t>Click to edit Master title style</a:t>
             </a:r>
-            <a:endParaRPr lang="en-US"/>
           </a:p>
         </p:txBody>
       </p:sp>
@@ -288,10 +303,9 @@
           </a:lstStyle>
           <a:p>
             <a:r>
-              <a:rPr lang="en-US" smtClean="0"/>
+              <a:rPr lang="en-US"/>
               <a:t>Click to edit Master subtitle style</a:t>
             </a:r>
-            <a:endParaRPr lang="en-US"/>
           </a:p>
         </p:txBody>
       </p:sp>
@@ -313,7 +327,7 @@
             <a:fld id="{1D8BD707-D9CF-40AE-B4C6-C98DA3205C09}" type="datetimeFigureOut">
               <a:rPr lang="en-US" smtClean="0"/>
               <a:pPr/>
-              <a:t>8/1/2011</a:t>
+              <a:t>12/4/2025</a:t>
             </a:fld>
             <a:endParaRPr lang="en-US"/>
           </a:p>
@@ -403,10 +417,9 @@
           <a:lstStyle/>
           <a:p>
             <a:r>
-              <a:rPr lang="en-US" smtClean="0"/>
+              <a:rPr lang="en-US"/>
               <a:t>Click to edit Master title style</a:t>
             </a:r>
-            <a:endParaRPr lang="en-US"/>
           </a:p>
         </p:txBody>
       </p:sp>
@@ -427,38 +440,37 @@
           <a:p>
             <a:pPr lvl="0"/>
             <a:r>
-              <a:rPr lang="en-US" smtClean="0"/>
+              <a:rPr lang="en-US"/>
               <a:t>Click to edit Master text styles</a:t>
             </a:r>
           </a:p>
           <a:p>
             <a:pPr lvl="1"/>
             <a:r>
-              <a:rPr lang="en-US" smtClean="0"/>
+              <a:rPr lang="en-US"/>
               <a:t>Second level</a:t>
             </a:r>
           </a:p>
           <a:p>
             <a:pPr lvl="2"/>
             <a:r>
-              <a:rPr lang="en-US" smtClean="0"/>
+              <a:rPr lang="en-US"/>
               <a:t>Third level</a:t>
             </a:r>
           </a:p>
           <a:p>
             <a:pPr lvl="3"/>
             <a:r>
-              <a:rPr lang="en-US" smtClean="0"/>
+              <a:rPr lang="en-US"/>
               <a:t>Fourth level</a:t>
             </a:r>
           </a:p>
           <a:p>
             <a:pPr lvl="4"/>
             <a:r>
-              <a:rPr lang="en-US" smtClean="0"/>
+              <a:rPr lang="en-US"/>
               <a:t>Fifth level</a:t>
             </a:r>
-            <a:endParaRPr lang="en-US"/>
           </a:p>
         </p:txBody>
       </p:sp>
@@ -480,7 +492,7 @@
             <a:fld id="{1D8BD707-D9CF-40AE-B4C6-C98DA3205C09}" type="datetimeFigureOut">
               <a:rPr lang="en-US" smtClean="0"/>
               <a:pPr/>
-              <a:t>8/1/2011</a:t>
+              <a:t>12/4/2025</a:t>
             </a:fld>
             <a:endParaRPr lang="en-US"/>
           </a:p>
@@ -575,10 +587,9 @@
           <a:lstStyle/>
           <a:p>
             <a:r>
-              <a:rPr lang="en-US" smtClean="0"/>
+              <a:rPr lang="en-US"/>
               <a:t>Click to edit Master title style</a:t>
             </a:r>
-            <a:endParaRPr lang="en-US"/>
           </a:p>
         </p:txBody>
       </p:sp>
@@ -604,38 +615,37 @@
           <a:p>
             <a:pPr lvl="0"/>
             <a:r>
-              <a:rPr lang="en-US" smtClean="0"/>
+              <a:rPr lang="en-US"/>
               <a:t>Click to edit Master text styles</a:t>
             </a:r>
           </a:p>
           <a:p>
             <a:pPr lvl="1"/>
             <a:r>
-              <a:rPr lang="en-US" smtClean="0"/>
+              <a:rPr lang="en-US"/>
               <a:t>Second level</a:t>
             </a:r>
           </a:p>
           <a:p>
             <a:pPr lvl="2"/>
             <a:r>
-              <a:rPr lang="en-US" smtClean="0"/>
+              <a:rPr lang="en-US"/>
               <a:t>Third level</a:t>
             </a:r>
           </a:p>
           <a:p>
             <a:pPr lvl="3"/>
             <a:r>
-              <a:rPr lang="en-US" smtClean="0"/>
+              <a:rPr lang="en-US"/>
               <a:t>Fourth level</a:t>
             </a:r>
           </a:p>
           <a:p>
             <a:pPr lvl="4"/>
             <a:r>
-              <a:rPr lang="en-US" smtClean="0"/>
+              <a:rPr lang="en-US"/>
               <a:t>Fifth level</a:t>
             </a:r>
-            <a:endParaRPr lang="en-US"/>
           </a:p>
         </p:txBody>
       </p:sp>
@@ -657,7 +667,7 @@
             <a:fld id="{1D8BD707-D9CF-40AE-B4C6-C98DA3205C09}" type="datetimeFigureOut">
               <a:rPr lang="en-US" smtClean="0"/>
               <a:pPr/>
-              <a:t>8/1/2011</a:t>
+              <a:t>12/4/2025</a:t>
             </a:fld>
             <a:endParaRPr lang="en-US"/>
           </a:p>
@@ -747,10 +757,9 @@
           <a:lstStyle/>
           <a:p>
             <a:r>
-              <a:rPr lang="en-US" smtClean="0"/>
+              <a:rPr lang="en-US"/>
               <a:t>Click to edit Master title style</a:t>
             </a:r>
-            <a:endParaRPr lang="en-US"/>
           </a:p>
         </p:txBody>
       </p:sp>
@@ -771,38 +780,37 @@
           <a:p>
             <a:pPr lvl="0"/>
             <a:r>
-              <a:rPr lang="en-US" smtClean="0"/>
+              <a:rPr lang="en-US"/>
               <a:t>Click to edit Master text styles</a:t>
             </a:r>
           </a:p>
           <a:p>
             <a:pPr lvl="1"/>
             <a:r>
-              <a:rPr lang="en-US" smtClean="0"/>
+              <a:rPr lang="en-US"/>
               <a:t>Second level</a:t>
             </a:r>
           </a:p>
           <a:p>
             <a:pPr lvl="2"/>
             <a:r>
-              <a:rPr lang="en-US" smtClean="0"/>
+              <a:rPr lang="en-US"/>
               <a:t>Third level</a:t>
             </a:r>
           </a:p>
           <a:p>
             <a:pPr lvl="3"/>
             <a:r>
-              <a:rPr lang="en-US" smtClean="0"/>
+              <a:rPr lang="en-US"/>
               <a:t>Fourth level</a:t>
             </a:r>
           </a:p>
           <a:p>
             <a:pPr lvl="4"/>
             <a:r>
-              <a:rPr lang="en-US" smtClean="0"/>
+              <a:rPr lang="en-US"/>
               <a:t>Fifth level</a:t>
             </a:r>
-            <a:endParaRPr lang="en-US"/>
           </a:p>
         </p:txBody>
       </p:sp>
@@ -824,7 +832,7 @@
             <a:fld id="{1D8BD707-D9CF-40AE-B4C6-C98DA3205C09}" type="datetimeFigureOut">
               <a:rPr lang="en-US" smtClean="0"/>
               <a:pPr/>
-              <a:t>8/1/2011</a:t>
+              <a:t>12/4/2025</a:t>
             </a:fld>
             <a:endParaRPr lang="en-US"/>
           </a:p>
@@ -923,10 +931,9 @@
           </a:lstStyle>
           <a:p>
             <a:r>
-              <a:rPr lang="en-US" smtClean="0"/>
+              <a:rPr lang="en-US"/>
               <a:t>Click to edit Master title style</a:t>
             </a:r>
-            <a:endParaRPr lang="en-US"/>
           </a:p>
         </p:txBody>
       </p:sp>
@@ -1043,7 +1050,7 @@
           <a:p>
             <a:pPr lvl="0"/>
             <a:r>
-              <a:rPr lang="en-US" smtClean="0"/>
+              <a:rPr lang="en-US"/>
               <a:t>Click to edit Master text styles</a:t>
             </a:r>
           </a:p>
@@ -1067,7 +1074,7 @@
             <a:fld id="{1D8BD707-D9CF-40AE-B4C6-C98DA3205C09}" type="datetimeFigureOut">
               <a:rPr lang="en-US" smtClean="0"/>
               <a:pPr/>
-              <a:t>8/1/2011</a:t>
+              <a:t>12/4/2025</a:t>
             </a:fld>
             <a:endParaRPr lang="en-US"/>
           </a:p>
@@ -1157,10 +1164,9 @@
           <a:lstStyle/>
           <a:p>
             <a:r>
-              <a:rPr lang="en-US" smtClean="0"/>
+              <a:rPr lang="en-US"/>
               <a:t>Click to edit Master title style</a:t>
             </a:r>
-            <a:endParaRPr lang="en-US"/>
           </a:p>
         </p:txBody>
       </p:sp>
@@ -1214,38 +1220,37 @@
           <a:p>
             <a:pPr lvl="0"/>
             <a:r>
-              <a:rPr lang="en-US" smtClean="0"/>
+              <a:rPr lang="en-US"/>
               <a:t>Click to edit Master text styles</a:t>
             </a:r>
           </a:p>
           <a:p>
             <a:pPr lvl="1"/>
             <a:r>
-              <a:rPr lang="en-US" smtClean="0"/>
+              <a:rPr lang="en-US"/>
               <a:t>Second level</a:t>
             </a:r>
           </a:p>
           <a:p>
             <a:pPr lvl="2"/>
             <a:r>
-              <a:rPr lang="en-US" smtClean="0"/>
+              <a:rPr lang="en-US"/>
               <a:t>Third level</a:t>
             </a:r>
           </a:p>
           <a:p>
             <a:pPr lvl="3"/>
             <a:r>
-              <a:rPr lang="en-US" smtClean="0"/>
+              <a:rPr lang="en-US"/>
               <a:t>Fourth level</a:t>
             </a:r>
           </a:p>
           <a:p>
             <a:pPr lvl="4"/>
             <a:r>
-              <a:rPr lang="en-US" smtClean="0"/>
+              <a:rPr lang="en-US"/>
               <a:t>Fifth level</a:t>
             </a:r>
-            <a:endParaRPr lang="en-US"/>
           </a:p>
         </p:txBody>
       </p:sp>
@@ -1299,38 +1304,37 @@
           <a:p>
             <a:pPr lvl="0"/>
             <a:r>
-              <a:rPr lang="en-US" smtClean="0"/>
+              <a:rPr lang="en-US"/>
               <a:t>Click to edit Master text styles</a:t>
             </a:r>
           </a:p>
           <a:p>
             <a:pPr lvl="1"/>
             <a:r>
-              <a:rPr lang="en-US" smtClean="0"/>
+              <a:rPr lang="en-US"/>
               <a:t>Second level</a:t>
             </a:r>
           </a:p>
           <a:p>
             <a:pPr lvl="2"/>
             <a:r>
-              <a:rPr lang="en-US" smtClean="0"/>
+              <a:rPr lang="en-US"/>
               <a:t>Third level</a:t>
             </a:r>
           </a:p>
           <a:p>
             <a:pPr lvl="3"/>
             <a:r>
-              <a:rPr lang="en-US" smtClean="0"/>
+              <a:rPr lang="en-US"/>
               <a:t>Fourth level</a:t>
             </a:r>
           </a:p>
           <a:p>
             <a:pPr lvl="4"/>
             <a:r>
-              <a:rPr lang="en-US" smtClean="0"/>
+              <a:rPr lang="en-US"/>
               <a:t>Fifth level</a:t>
             </a:r>
-            <a:endParaRPr lang="en-US"/>
           </a:p>
         </p:txBody>
       </p:sp>
@@ -1352,7 +1356,7 @@
             <a:fld id="{1D8BD707-D9CF-40AE-B4C6-C98DA3205C09}" type="datetimeFigureOut">
               <a:rPr lang="en-US" smtClean="0"/>
               <a:pPr/>
-              <a:t>8/1/2011</a:t>
+              <a:t>12/4/2025</a:t>
             </a:fld>
             <a:endParaRPr lang="en-US"/>
           </a:p>
@@ -1446,10 +1450,9 @@
           </a:lstStyle>
           <a:p>
             <a:r>
-              <a:rPr lang="en-US" smtClean="0"/>
+              <a:rPr lang="en-US"/>
               <a:t>Click to edit Master title style</a:t>
             </a:r>
-            <a:endParaRPr lang="en-US"/>
           </a:p>
         </p:txBody>
       </p:sp>
@@ -1512,7 +1515,7 @@
           <a:p>
             <a:pPr lvl="0"/>
             <a:r>
-              <a:rPr lang="en-US" smtClean="0"/>
+              <a:rPr lang="en-US"/>
               <a:t>Click to edit Master text styles</a:t>
             </a:r>
           </a:p>
@@ -1568,38 +1571,37 @@
           <a:p>
             <a:pPr lvl="0"/>
             <a:r>
-              <a:rPr lang="en-US" smtClean="0"/>
+              <a:rPr lang="en-US"/>
               <a:t>Click to edit Master text styles</a:t>
             </a:r>
           </a:p>
           <a:p>
             <a:pPr lvl="1"/>
             <a:r>
-              <a:rPr lang="en-US" smtClean="0"/>
+              <a:rPr lang="en-US"/>
               <a:t>Second level</a:t>
             </a:r>
           </a:p>
           <a:p>
             <a:pPr lvl="2"/>
             <a:r>
-              <a:rPr lang="en-US" smtClean="0"/>
+              <a:rPr lang="en-US"/>
               <a:t>Third level</a:t>
             </a:r>
           </a:p>
           <a:p>
             <a:pPr lvl="3"/>
             <a:r>
-              <a:rPr lang="en-US" smtClean="0"/>
+              <a:rPr lang="en-US"/>
               <a:t>Fourth level</a:t>
             </a:r>
           </a:p>
           <a:p>
             <a:pPr lvl="4"/>
             <a:r>
-              <a:rPr lang="en-US" smtClean="0"/>
+              <a:rPr lang="en-US"/>
               <a:t>Fifth level</a:t>
             </a:r>
-            <a:endParaRPr lang="en-US"/>
           </a:p>
         </p:txBody>
       </p:sp>
@@ -1662,7 +1664,7 @@
           <a:p>
             <a:pPr lvl="0"/>
             <a:r>
-              <a:rPr lang="en-US" smtClean="0"/>
+              <a:rPr lang="en-US"/>
               <a:t>Click to edit Master text styles</a:t>
             </a:r>
           </a:p>
@@ -1718,38 +1720,37 @@
           <a:p>
             <a:pPr lvl="0"/>
             <a:r>
-              <a:rPr lang="en-US" smtClean="0"/>
+              <a:rPr lang="en-US"/>
               <a:t>Click to edit Master text styles</a:t>
             </a:r>
           </a:p>
           <a:p>
             <a:pPr lvl="1"/>
             <a:r>
-              <a:rPr lang="en-US" smtClean="0"/>
+              <a:rPr lang="en-US"/>
               <a:t>Second level</a:t>
             </a:r>
           </a:p>
           <a:p>
             <a:pPr lvl="2"/>
             <a:r>
-              <a:rPr lang="en-US" smtClean="0"/>
+              <a:rPr lang="en-US"/>
               <a:t>Third level</a:t>
             </a:r>
           </a:p>
           <a:p>
             <a:pPr lvl="3"/>
             <a:r>
-              <a:rPr lang="en-US" smtClean="0"/>
+              <a:rPr lang="en-US"/>
               <a:t>Fourth level</a:t>
             </a:r>
           </a:p>
           <a:p>
             <a:pPr lvl="4"/>
             <a:r>
-              <a:rPr lang="en-US" smtClean="0"/>
+              <a:rPr lang="en-US"/>
               <a:t>Fifth level</a:t>
             </a:r>
-            <a:endParaRPr lang="en-US"/>
           </a:p>
         </p:txBody>
       </p:sp>
@@ -1771,7 +1772,7 @@
             <a:fld id="{1D8BD707-D9CF-40AE-B4C6-C98DA3205C09}" type="datetimeFigureOut">
               <a:rPr lang="en-US" smtClean="0"/>
               <a:pPr/>
-              <a:t>8/1/2011</a:t>
+              <a:t>12/4/2025</a:t>
             </a:fld>
             <a:endParaRPr lang="en-US"/>
           </a:p>
@@ -1861,10 +1862,9 @@
           <a:lstStyle/>
           <a:p>
             <a:r>
-              <a:rPr lang="en-US" smtClean="0"/>
+              <a:rPr lang="en-US"/>
               <a:t>Click to edit Master title style</a:t>
             </a:r>
-            <a:endParaRPr lang="en-US"/>
           </a:p>
         </p:txBody>
       </p:sp>
@@ -1886,7 +1886,7 @@
             <a:fld id="{1D8BD707-D9CF-40AE-B4C6-C98DA3205C09}" type="datetimeFigureOut">
               <a:rPr lang="en-US" smtClean="0"/>
               <a:pPr/>
-              <a:t>8/1/2011</a:t>
+              <a:t>12/4/2025</a:t>
             </a:fld>
             <a:endParaRPr lang="en-US"/>
           </a:p>
@@ -1978,7 +1978,7 @@
             <a:fld id="{1D8BD707-D9CF-40AE-B4C6-C98DA3205C09}" type="datetimeFigureOut">
               <a:rPr lang="en-US" smtClean="0"/>
               <a:pPr/>
-              <a:t>8/1/2011</a:t>
+              <a:t>12/4/2025</a:t>
             </a:fld>
             <a:endParaRPr lang="en-US"/>
           </a:p>
@@ -2077,10 +2077,9 @@
           </a:lstStyle>
           <a:p>
             <a:r>
-              <a:rPr lang="en-US" smtClean="0"/>
+              <a:rPr lang="en-US"/>
               <a:t>Click to edit Master title style</a:t>
             </a:r>
-            <a:endParaRPr lang="en-US"/>
           </a:p>
         </p:txBody>
       </p:sp>
@@ -2134,38 +2133,37 @@
           <a:p>
             <a:pPr lvl="0"/>
             <a:r>
-              <a:rPr lang="en-US" smtClean="0"/>
+              <a:rPr lang="en-US"/>
               <a:t>Click to edit Master text styles</a:t>
             </a:r>
           </a:p>
           <a:p>
             <a:pPr lvl="1"/>
             <a:r>
-              <a:rPr lang="en-US" smtClean="0"/>
+              <a:rPr lang="en-US"/>
               <a:t>Second level</a:t>
             </a:r>
           </a:p>
           <a:p>
             <a:pPr lvl="2"/>
             <a:r>
-              <a:rPr lang="en-US" smtClean="0"/>
+              <a:rPr lang="en-US"/>
               <a:t>Third level</a:t>
             </a:r>
           </a:p>
           <a:p>
             <a:pPr lvl="3"/>
             <a:r>
-              <a:rPr lang="en-US" smtClean="0"/>
+              <a:rPr lang="en-US"/>
               <a:t>Fourth level</a:t>
             </a:r>
           </a:p>
           <a:p>
             <a:pPr lvl="4"/>
             <a:r>
-              <a:rPr lang="en-US" smtClean="0"/>
+              <a:rPr lang="en-US"/>
               <a:t>Fifth level</a:t>
             </a:r>
-            <a:endParaRPr lang="en-US"/>
           </a:p>
         </p:txBody>
       </p:sp>
@@ -2228,7 +2226,7 @@
           <a:p>
             <a:pPr lvl="0"/>
             <a:r>
-              <a:rPr lang="en-US" smtClean="0"/>
+              <a:rPr lang="en-US"/>
               <a:t>Click to edit Master text styles</a:t>
             </a:r>
           </a:p>
@@ -2252,7 +2250,7 @@
             <a:fld id="{1D8BD707-D9CF-40AE-B4C6-C98DA3205C09}" type="datetimeFigureOut">
               <a:rPr lang="en-US" smtClean="0"/>
               <a:pPr/>
-              <a:t>8/1/2011</a:t>
+              <a:t>12/4/2025</a:t>
             </a:fld>
             <a:endParaRPr lang="en-US"/>
           </a:p>
@@ -2351,10 +2349,9 @@
           </a:lstStyle>
           <a:p>
             <a:r>
-              <a:rPr lang="en-US" smtClean="0"/>
+              <a:rPr lang="en-US"/>
               <a:t>Click to edit Master title style</a:t>
             </a:r>
-            <a:endParaRPr lang="en-US"/>
           </a:p>
         </p:txBody>
       </p:sp>
@@ -2478,7 +2475,7 @@
           <a:p>
             <a:pPr lvl="0"/>
             <a:r>
-              <a:rPr lang="en-US" smtClean="0"/>
+              <a:rPr lang="en-US"/>
               <a:t>Click to edit Master text styles</a:t>
             </a:r>
           </a:p>
@@ -2502,7 +2499,7 @@
             <a:fld id="{1D8BD707-D9CF-40AE-B4C6-C98DA3205C09}" type="datetimeFigureOut">
               <a:rPr lang="en-US" smtClean="0"/>
               <a:pPr/>
-              <a:t>8/1/2011</a:t>
+              <a:t>12/4/2025</a:t>
             </a:fld>
             <a:endParaRPr lang="en-US"/>
           </a:p>
@@ -2607,10 +2604,9 @@
           <a:lstStyle/>
           <a:p>
             <a:r>
-              <a:rPr lang="en-US" smtClean="0"/>
+              <a:rPr lang="en-US"/>
               <a:t>Click to edit Master title style</a:t>
             </a:r>
-            <a:endParaRPr lang="en-US"/>
           </a:p>
         </p:txBody>
       </p:sp>
@@ -2641,38 +2637,37 @@
           <a:p>
             <a:pPr lvl="0"/>
             <a:r>
-              <a:rPr lang="en-US" smtClean="0"/>
+              <a:rPr lang="en-US"/>
               <a:t>Click to edit Master text styles</a:t>
             </a:r>
           </a:p>
           <a:p>
             <a:pPr lvl="1"/>
             <a:r>
-              <a:rPr lang="en-US" smtClean="0"/>
+              <a:rPr lang="en-US"/>
               <a:t>Second level</a:t>
             </a:r>
           </a:p>
           <a:p>
             <a:pPr lvl="2"/>
             <a:r>
-              <a:rPr lang="en-US" smtClean="0"/>
+              <a:rPr lang="en-US"/>
               <a:t>Third level</a:t>
             </a:r>
           </a:p>
           <a:p>
             <a:pPr lvl="3"/>
             <a:r>
-              <a:rPr lang="en-US" smtClean="0"/>
+              <a:rPr lang="en-US"/>
               <a:t>Fourth level</a:t>
             </a:r>
           </a:p>
           <a:p>
             <a:pPr lvl="4"/>
             <a:r>
-              <a:rPr lang="en-US" smtClean="0"/>
+              <a:rPr lang="en-US"/>
               <a:t>Fifth level</a:t>
             </a:r>
-            <a:endParaRPr lang="en-US"/>
           </a:p>
         </p:txBody>
       </p:sp>
@@ -2712,7 +2707,7 @@
             <a:fld id="{1D8BD707-D9CF-40AE-B4C6-C98DA3205C09}" type="datetimeFigureOut">
               <a:rPr lang="en-US" smtClean="0"/>
               <a:pPr/>
-              <a:t>8/1/2011</a:t>
+              <a:t>12/4/2025</a:t>
             </a:fld>
             <a:endParaRPr lang="en-US"/>
           </a:p>
@@ -3067,11 +3062,11 @@
 </file>
 
 <file path=ppt/slides/slide1.xml><?xml version="1.0" encoding="utf-8"?>
-<p:sld xmlns:p="http://schemas.openxmlformats.org/presentationml/2006/main" xmlns:a="http://schemas.openxmlformats.org/drawingml/2006/main">
+<p:sld xmlns:a="http://schemas.openxmlformats.org/drawingml/2006/main" xmlns:r="http://schemas.openxmlformats.org/officeDocument/2006/relationships" xmlns:p="http://schemas.openxmlformats.org/presentationml/2006/main">
   <p:cSld>
     <p:bg>
       <p:bgPr>
-        <a:gradFill rotWithShape="true">
+        <a:gradFill rotWithShape="1">
           <a:gsLst>
             <a:gs pos="0">
               <a:srgbClr val="000000">
@@ -3085,10 +3080,11 @@
             </a:gs>
           </a:gsLst>
           <a:path path="circle">
-            <a:fillToRect l="0" r="100000" t="0" b="100000"/>
+            <a:fillToRect r="100000" b="100000"/>
           </a:path>
-          <a:tileRect r="0" l="-100000" b="0" t="-100000"/>
+          <a:tileRect l="-100000" t="-100000"/>
         </a:gradFill>
+        <a:effectLst/>
       </p:bgPr>
     </p:bg>
     <p:spTree>
@@ -3107,12 +3103,12 @@
       </p:grpSpPr>
       <p:grpSp>
         <p:nvGrpSpPr>
-          <p:cNvPr name="Group 2" id="2"/>
+          <p:cNvPr id="2" name="Group 2"/>
           <p:cNvGrpSpPr/>
           <p:nvPr/>
         </p:nvGrpSpPr>
         <p:grpSpPr>
-          <a:xfrm rot="0">
+          <a:xfrm>
             <a:off x="296111" y="349538"/>
             <a:ext cx="17695777" cy="9587924"/>
             <a:chOff x="0" y="0"/>
@@ -3121,12 +3117,12 @@
         </p:grpSpPr>
         <p:sp>
           <p:nvSpPr>
-            <p:cNvPr name="Freeform 3" id="3"/>
+            <p:cNvPr id="3" name="Freeform 3"/>
             <p:cNvSpPr/>
             <p:nvPr/>
           </p:nvSpPr>
           <p:spPr>
-            <a:xfrm flipH="false" flipV="false" rot="0">
+            <a:xfrm>
               <a:off x="0" y="0"/>
               <a:ext cx="4660616" cy="2525215"/>
             </a:xfrm>
@@ -3135,9 +3131,9 @@
               <a:gdLst/>
               <a:ahLst/>
               <a:cxnLst/>
-              <a:rect r="r" b="b" t="t" l="l"/>
+              <a:rect l="l" t="t" r="r" b="b"/>
               <a:pathLst>
-                <a:path h="2525215" w="4660616">
+                <a:path w="4660616" h="2525215">
                   <a:moveTo>
                     <a:pt x="24500" y="0"/>
                   </a:moveTo>
@@ -3191,8 +3187,8 @@
         </p:sp>
         <p:sp>
           <p:nvSpPr>
-            <p:cNvPr name="TextBox 4" id="4"/>
-            <p:cNvSpPr txBox="true"/>
+            <p:cNvPr id="4" name="TextBox 4"/>
+            <p:cNvSpPr txBox="1"/>
             <p:nvPr/>
           </p:nvSpPr>
           <p:spPr>
@@ -3205,7 +3201,7 @@
             </a:prstGeom>
           </p:spPr>
           <p:txBody>
-            <a:bodyPr anchor="ctr" rtlCol="false" tIns="50800" lIns="50800" bIns="50800" rIns="50800"/>
+            <a:bodyPr lIns="50800" tIns="50800" rIns="50800" bIns="50800" rtlCol="0" anchor="ctr"/>
             <a:lstStyle/>
             <a:p>
               <a:pPr algn="ctr">
@@ -3216,19 +3212,20 @@
                   <a:spcPct val="0"/>
                 </a:spcBef>
               </a:pPr>
+              <a:endParaRPr/>
             </a:p>
           </p:txBody>
         </p:sp>
       </p:grpSp>
       <p:sp>
         <p:nvSpPr>
-          <p:cNvPr name="TextBox 5" id="5"/>
-          <p:cNvSpPr txBox="true"/>
+          <p:cNvPr id="5" name="TextBox 5"/>
+          <p:cNvSpPr txBox="1"/>
           <p:nvPr/>
         </p:nvSpPr>
         <p:spPr>
-          <a:xfrm rot="0">
-            <a:off x="3054412" y="752475"/>
+          <a:xfrm>
+            <a:off x="3054410" y="2524814"/>
             <a:ext cx="12179177" cy="5092709"/>
           </a:xfrm>
           <a:prstGeom prst="rect">
@@ -3236,7 +3233,7 @@
           </a:prstGeom>
         </p:spPr>
         <p:txBody>
-          <a:bodyPr anchor="t" rtlCol="false" tIns="0" lIns="0" bIns="0" rIns="0">
+          <a:bodyPr lIns="0" tIns="0" rIns="0" bIns="0" rtlCol="0" anchor="t">
             <a:spAutoFit/>
           </a:bodyPr>
           <a:lstStyle/>
@@ -3250,7 +3247,7 @@
               </a:spcBef>
             </a:pPr>
             <a:r>
-              <a:rPr lang="en-US" b="true" sz="9499" spc="-427">
+              <a:rPr lang="en-US" sz="9499" b="1" spc="-427" dirty="0">
                 <a:solidFill>
                   <a:srgbClr val="FFFFFF"/>
                 </a:solidFill>
@@ -3266,21 +3263,21 @@
       </p:sp>
       <p:sp>
         <p:nvSpPr>
-          <p:cNvPr name="TextBox 6" id="6"/>
-          <p:cNvSpPr txBox="true"/>
+          <p:cNvPr id="6" name="TextBox 6"/>
+          <p:cNvSpPr txBox="1"/>
           <p:nvPr/>
         </p:nvSpPr>
         <p:spPr>
-          <a:xfrm rot="0">
-            <a:off x="3054412" y="5581309"/>
-            <a:ext cx="5186128" cy="3080451"/>
+          <a:xfrm>
+            <a:off x="3054410" y="7353648"/>
+            <a:ext cx="5186128" cy="874214"/>
           </a:xfrm>
           <a:prstGeom prst="rect">
             <a:avLst/>
           </a:prstGeom>
         </p:spPr>
         <p:txBody>
-          <a:bodyPr anchor="t" rtlCol="false" tIns="0" lIns="0" bIns="0" rIns="0">
+          <a:bodyPr lIns="0" tIns="0" rIns="0" bIns="0" rtlCol="0" anchor="t">
             <a:spAutoFit/>
           </a:bodyPr>
           <a:lstStyle/>
@@ -3291,7 +3288,7 @@
               </a:lnSpc>
             </a:pPr>
             <a:r>
-              <a:rPr lang="en-US" sz="2472">
+              <a:rPr lang="en-US" sz="2472" dirty="0">
                 <a:solidFill>
                   <a:srgbClr val="FFFFFF"/>
                 </a:solidFill>
@@ -3304,15 +3301,13 @@
             </a:r>
           </a:p>
           <a:p>
-            <a:pPr algn="l" marL="533794" indent="-266897" lvl="1">
+            <a:pPr algn="l">
               <a:lnSpc>
                 <a:spcPts val="3461"/>
               </a:lnSpc>
-              <a:buFont typeface="Arial"/>
-              <a:buChar char="•"/>
             </a:pPr>
             <a:r>
-              <a:rPr lang="en-US" sz="2472">
+              <a:rPr lang="en-US" sz="2472" dirty="0">
                 <a:solidFill>
                   <a:srgbClr val="FFFFFF"/>
                 </a:solidFill>
@@ -3321,112 +3316,7 @@
                 <a:cs typeface="Poppins"/>
                 <a:sym typeface="Poppins"/>
               </a:rPr>
-              <a:t>Selvi Bothra - 24BIT111</a:t>
-            </a:r>
-          </a:p>
-          <a:p>
-            <a:pPr algn="l" marL="533794" indent="-266897" lvl="1">
-              <a:lnSpc>
-                <a:spcPts val="3461"/>
-              </a:lnSpc>
-              <a:buFont typeface="Arial"/>
-              <a:buChar char="•"/>
-            </a:pPr>
-            <a:r>
-              <a:rPr lang="en-US" sz="2472">
-                <a:solidFill>
-                  <a:srgbClr val="FFFFFF"/>
-                </a:solidFill>
-                <a:latin typeface="Poppins"/>
-                <a:ea typeface="Poppins"/>
-                <a:cs typeface="Poppins"/>
-                <a:sym typeface="Poppins"/>
-              </a:rPr>
-              <a:t>Pushkar Shah - 24BIT114</a:t>
-            </a:r>
-          </a:p>
-          <a:p>
-            <a:pPr algn="l" marL="533794" indent="-266897" lvl="1">
-              <a:lnSpc>
-                <a:spcPts val="3461"/>
-              </a:lnSpc>
-              <a:buFont typeface="Arial"/>
-              <a:buChar char="•"/>
-            </a:pPr>
-            <a:r>
-              <a:rPr lang="en-US" sz="2472">
-                <a:solidFill>
-                  <a:srgbClr val="FFFFFF"/>
-                </a:solidFill>
-                <a:latin typeface="Poppins"/>
-                <a:ea typeface="Poppins"/>
-                <a:cs typeface="Poppins"/>
-                <a:sym typeface="Poppins"/>
-              </a:rPr>
-              <a:t>Teerth Rupareliya - 24BIT115</a:t>
-            </a:r>
-          </a:p>
-          <a:p>
-            <a:pPr algn="l" marL="533794" indent="-266897" lvl="1">
-              <a:lnSpc>
-                <a:spcPts val="3461"/>
-              </a:lnSpc>
-              <a:buFont typeface="Arial"/>
-              <a:buChar char="•"/>
-            </a:pPr>
-            <a:r>
-              <a:rPr lang="en-US" sz="2472">
-                <a:solidFill>
-                  <a:srgbClr val="FFFFFF"/>
-                </a:solidFill>
-                <a:latin typeface="Poppins"/>
-                <a:ea typeface="Poppins"/>
-                <a:cs typeface="Poppins"/>
-                <a:sym typeface="Poppins"/>
-              </a:rPr>
-              <a:t>Harshil Amin - 24BIT116</a:t>
-            </a:r>
-          </a:p>
-          <a:p>
-            <a:pPr algn="l" marL="533794" indent="-266897" lvl="1">
-              <a:lnSpc>
-                <a:spcPts val="3461"/>
-              </a:lnSpc>
-              <a:buFont typeface="Arial"/>
-              <a:buChar char="•"/>
-            </a:pPr>
-            <a:r>
-              <a:rPr lang="en-US" sz="2472">
-                <a:solidFill>
-                  <a:srgbClr val="FFFFFF"/>
-                </a:solidFill>
-                <a:latin typeface="Poppins"/>
-                <a:ea typeface="Poppins"/>
-                <a:cs typeface="Poppins"/>
-                <a:sym typeface="Poppins"/>
-              </a:rPr>
-              <a:t>Hetvi Chikani - 24BIT117</a:t>
-            </a:r>
-          </a:p>
-          <a:p>
-            <a:pPr algn="l" marL="533794" indent="-266897" lvl="1">
-              <a:lnSpc>
-                <a:spcPts val="3461"/>
-              </a:lnSpc>
-              <a:buFont typeface="Arial"/>
-              <a:buChar char="•"/>
-            </a:pPr>
-            <a:r>
-              <a:rPr lang="en-US" sz="2472">
-                <a:solidFill>
-                  <a:srgbClr val="FFFFFF"/>
-                </a:solidFill>
-                <a:latin typeface="Poppins"/>
-                <a:ea typeface="Poppins"/>
-                <a:cs typeface="Poppins"/>
-                <a:sym typeface="Poppins"/>
-              </a:rPr>
-              <a:t>Ved Badarshahi - 24BIT212D</a:t>
+              <a:t>Ved Badarshahi</a:t>
             </a:r>
           </a:p>
         </p:txBody>
@@ -3440,11 +3330,11 @@
 </file>
 
 <file path=ppt/slides/slide2.xml><?xml version="1.0" encoding="utf-8"?>
-<p:sld xmlns:p="http://schemas.openxmlformats.org/presentationml/2006/main" xmlns:a="http://schemas.openxmlformats.org/drawingml/2006/main" xmlns:r="http://schemas.openxmlformats.org/officeDocument/2006/relationships">
+<p:sld xmlns:a="http://schemas.openxmlformats.org/drawingml/2006/main" xmlns:r="http://schemas.openxmlformats.org/officeDocument/2006/relationships" xmlns:p="http://schemas.openxmlformats.org/presentationml/2006/main">
   <p:cSld>
     <p:bg>
       <p:bgPr>
-        <a:gradFill rotWithShape="true">
+        <a:gradFill rotWithShape="1">
           <a:gsLst>
             <a:gs pos="0">
               <a:srgbClr val="000000">
@@ -3458,10 +3348,11 @@
             </a:gs>
           </a:gsLst>
           <a:path path="circle">
-            <a:fillToRect l="0" r="100000" t="0" b="100000"/>
+            <a:fillToRect r="100000" b="100000"/>
           </a:path>
-          <a:tileRect r="0" l="-100000" b="0" t="-100000"/>
+          <a:tileRect l="-100000" t="-100000"/>
         </a:gradFill>
+        <a:effectLst/>
       </p:bgPr>
     </p:bg>
     <p:spTree>
@@ -3480,12 +3371,12 @@
       </p:grpSpPr>
       <p:grpSp>
         <p:nvGrpSpPr>
-          <p:cNvPr name="Group 2" id="2"/>
+          <p:cNvPr id="2" name="Group 2"/>
           <p:cNvGrpSpPr/>
           <p:nvPr/>
         </p:nvGrpSpPr>
         <p:grpSpPr>
-          <a:xfrm rot="0">
+          <a:xfrm>
             <a:off x="692807" y="1894724"/>
             <a:ext cx="4773151" cy="3248776"/>
             <a:chOff x="0" y="0"/>
@@ -3494,12 +3385,12 @@
         </p:grpSpPr>
         <p:sp>
           <p:nvSpPr>
-            <p:cNvPr name="Freeform 3" id="3"/>
+            <p:cNvPr id="3" name="Freeform 3"/>
             <p:cNvSpPr/>
             <p:nvPr/>
           </p:nvSpPr>
           <p:spPr>
-            <a:xfrm flipH="false" flipV="false" rot="0">
+            <a:xfrm>
               <a:off x="0" y="0"/>
               <a:ext cx="1257126" cy="855645"/>
             </a:xfrm>
@@ -3508,9 +3399,9 @@
               <a:gdLst/>
               <a:ahLst/>
               <a:cxnLst/>
-              <a:rect r="r" b="b" t="t" l="l"/>
+              <a:rect l="l" t="t" r="r" b="b"/>
               <a:pathLst>
-                <a:path h="855645" w="1257126">
+                <a:path w="1257126" h="855645">
                   <a:moveTo>
                     <a:pt x="90830" y="0"/>
                   </a:moveTo>
@@ -3570,7 +3461,7 @@
                 </a:path>
               </a:pathLst>
             </a:custGeom>
-            <a:gradFill rotWithShape="true">
+            <a:gradFill rotWithShape="1">
               <a:gsLst>
                 <a:gs pos="0">
                   <a:srgbClr val="000000">
@@ -3589,8 +3480,8 @@
         </p:sp>
         <p:sp>
           <p:nvSpPr>
-            <p:cNvPr name="TextBox 4" id="4"/>
-            <p:cNvSpPr txBox="true"/>
+            <p:cNvPr id="4" name="TextBox 4"/>
+            <p:cNvSpPr txBox="1"/>
             <p:nvPr/>
           </p:nvSpPr>
           <p:spPr>
@@ -3603,7 +3494,7 @@
             </a:prstGeom>
           </p:spPr>
           <p:txBody>
-            <a:bodyPr anchor="ctr" rtlCol="false" tIns="50800" lIns="50800" bIns="50800" rIns="50800"/>
+            <a:bodyPr lIns="50800" tIns="50800" rIns="50800" bIns="50800" rtlCol="0" anchor="ctr"/>
             <a:lstStyle/>
             <a:p>
               <a:pPr algn="ctr">
@@ -3611,18 +3502,19 @@
                   <a:spcPts val="3151"/>
                 </a:lnSpc>
               </a:pPr>
+              <a:endParaRPr/>
             </a:p>
           </p:txBody>
         </p:sp>
       </p:grpSp>
       <p:grpSp>
         <p:nvGrpSpPr>
-          <p:cNvPr name="Group 5" id="5"/>
+          <p:cNvPr id="5" name="Group 5"/>
           <p:cNvGrpSpPr/>
           <p:nvPr/>
         </p:nvGrpSpPr>
         <p:grpSpPr>
-          <a:xfrm rot="0">
+          <a:xfrm>
             <a:off x="692807" y="5781675"/>
             <a:ext cx="4773151" cy="3249752"/>
             <a:chOff x="0" y="0"/>
@@ -3631,12 +3523,12 @@
         </p:grpSpPr>
         <p:sp>
           <p:nvSpPr>
-            <p:cNvPr name="Freeform 6" id="6"/>
+            <p:cNvPr id="6" name="Freeform 6"/>
             <p:cNvSpPr/>
             <p:nvPr/>
           </p:nvSpPr>
           <p:spPr>
-            <a:xfrm flipH="false" flipV="false" rot="0">
+            <a:xfrm>
               <a:off x="0" y="0"/>
               <a:ext cx="1257126" cy="855902"/>
             </a:xfrm>
@@ -3645,9 +3537,9 @@
               <a:gdLst/>
               <a:ahLst/>
               <a:cxnLst/>
-              <a:rect r="r" b="b" t="t" l="l"/>
+              <a:rect l="l" t="t" r="r" b="b"/>
               <a:pathLst>
-                <a:path h="855902" w="1257126">
+                <a:path w="1257126" h="855902">
                   <a:moveTo>
                     <a:pt x="68123" y="0"/>
                   </a:moveTo>
@@ -3707,7 +3599,7 @@
                 </a:path>
               </a:pathLst>
             </a:custGeom>
-            <a:gradFill rotWithShape="true">
+            <a:gradFill rotWithShape="1">
               <a:gsLst>
                 <a:gs pos="0">
                   <a:srgbClr val="000F9B">
@@ -3726,16 +3618,16 @@
                 </a:gs>
               </a:gsLst>
               <a:path path="circle">
-                <a:fillToRect l="0" r="100000" t="0" b="100000"/>
+                <a:fillToRect r="100000" b="100000"/>
               </a:path>
-              <a:tileRect r="0" l="-100000" b="0" t="-100000"/>
+              <a:tileRect l="-100000" t="-100000"/>
             </a:gradFill>
           </p:spPr>
         </p:sp>
         <p:sp>
           <p:nvSpPr>
-            <p:cNvPr name="TextBox 7" id="7"/>
-            <p:cNvSpPr txBox="true"/>
+            <p:cNvPr id="7" name="TextBox 7"/>
+            <p:cNvSpPr txBox="1"/>
             <p:nvPr/>
           </p:nvSpPr>
           <p:spPr>
@@ -3748,7 +3640,7 @@
             </a:prstGeom>
           </p:spPr>
           <p:txBody>
-            <a:bodyPr anchor="ctr" rtlCol="false" tIns="50800" lIns="50800" bIns="50800" rIns="50800"/>
+            <a:bodyPr lIns="50800" tIns="50800" rIns="50800" bIns="50800" rtlCol="0" anchor="ctr"/>
             <a:lstStyle/>
             <a:p>
               <a:pPr algn="ctr">
@@ -3756,18 +3648,19 @@
                   <a:spcPts val="3151"/>
                 </a:lnSpc>
               </a:pPr>
+              <a:endParaRPr/>
             </a:p>
           </p:txBody>
         </p:sp>
       </p:grpSp>
       <p:sp>
         <p:nvSpPr>
-          <p:cNvPr name="Freeform 8" id="8"/>
+          <p:cNvPr id="8" name="Freeform 8"/>
           <p:cNvSpPr/>
           <p:nvPr/>
         </p:nvSpPr>
         <p:spPr>
-          <a:xfrm flipH="false" flipV="false" rot="0">
+          <a:xfrm>
             <a:off x="4643006" y="6079966"/>
             <a:ext cx="714036" cy="714036"/>
           </a:xfrm>
@@ -3776,9 +3669,9 @@
             <a:gdLst/>
             <a:ahLst/>
             <a:cxnLst/>
-            <a:rect r="r" b="b" t="t" l="l"/>
+            <a:rect l="l" t="t" r="r" b="b"/>
             <a:pathLst>
-              <a:path h="714036" w="714036">
+              <a:path w="714036" h="714036">
                 <a:moveTo>
                   <a:pt x="0" y="0"/>
                 </a:moveTo>
@@ -3807,19 +3700,19 @@
               </a:extLst>
             </a:blip>
             <a:stretch>
-              <a:fillRect l="0" t="0" r="0" b="0"/>
+              <a:fillRect/>
             </a:stretch>
           </a:blipFill>
         </p:spPr>
       </p:sp>
       <p:sp>
         <p:nvSpPr>
-          <p:cNvPr name="TextBox 9" id="9"/>
-          <p:cNvSpPr txBox="true"/>
+          <p:cNvPr id="9" name="TextBox 9"/>
+          <p:cNvSpPr txBox="1"/>
           <p:nvPr/>
         </p:nvSpPr>
         <p:spPr>
-          <a:xfrm rot="0">
+          <a:xfrm>
             <a:off x="1292206" y="2651395"/>
             <a:ext cx="4849742" cy="1783060"/>
           </a:xfrm>
@@ -3828,7 +3721,7 @@
           </a:prstGeom>
         </p:spPr>
         <p:txBody>
-          <a:bodyPr anchor="t" rtlCol="false" tIns="0" lIns="0" bIns="0" rIns="0">
+          <a:bodyPr lIns="0" tIns="0" rIns="0" bIns="0" rtlCol="0" anchor="t">
             <a:spAutoFit/>
           </a:bodyPr>
           <a:lstStyle/>
@@ -3839,7 +3732,7 @@
               </a:lnSpc>
             </a:pPr>
             <a:r>
-              <a:rPr lang="en-US" sz="6512" spc="-293" b="true">
+              <a:rPr lang="en-US" sz="6512" b="1" spc="-293">
                 <a:solidFill>
                   <a:srgbClr val="FFFFFF"/>
                 </a:solidFill>
@@ -3858,7 +3751,7 @@
               </a:lnSpc>
             </a:pPr>
             <a:r>
-              <a:rPr lang="en-US" sz="6512" spc="-293" b="true">
+              <a:rPr lang="en-US" sz="6512" b="1" spc="-293">
                 <a:solidFill>
                   <a:srgbClr val="FFFFFF"/>
                 </a:solidFill>
@@ -3874,12 +3767,12 @@
       </p:sp>
       <p:sp>
         <p:nvSpPr>
-          <p:cNvPr name="TextBox 10" id="10"/>
-          <p:cNvSpPr txBox="true"/>
+          <p:cNvPr id="10" name="TextBox 10"/>
+          <p:cNvSpPr txBox="1"/>
           <p:nvPr/>
         </p:nvSpPr>
         <p:spPr>
-          <a:xfrm rot="0">
+          <a:xfrm>
             <a:off x="803986" y="6797389"/>
             <a:ext cx="4661973" cy="1276715"/>
           </a:xfrm>
@@ -3888,7 +3781,7 @@
           </a:prstGeom>
         </p:spPr>
         <p:txBody>
-          <a:bodyPr anchor="t" rtlCol="false" tIns="0" lIns="0" bIns="0" rIns="0">
+          <a:bodyPr lIns="0" tIns="0" rIns="0" bIns="0" rtlCol="0" anchor="t">
             <a:spAutoFit/>
           </a:bodyPr>
           <a:lstStyle/>
@@ -3915,12 +3808,12 @@
       </p:sp>
       <p:sp>
         <p:nvSpPr>
-          <p:cNvPr name="TextBox 11" id="11"/>
-          <p:cNvSpPr txBox="true"/>
+          <p:cNvPr id="11" name="TextBox 11"/>
+          <p:cNvSpPr txBox="1"/>
           <p:nvPr/>
         </p:nvSpPr>
         <p:spPr>
-          <a:xfrm rot="0">
+          <a:xfrm>
             <a:off x="3649437" y="7988379"/>
             <a:ext cx="1350587" cy="562368"/>
           </a:xfrm>
@@ -3929,12 +3822,12 @@
           </a:prstGeom>
         </p:spPr>
         <p:txBody>
-          <a:bodyPr anchor="t" rtlCol="false" tIns="0" lIns="0" bIns="0" rIns="0">
+          <a:bodyPr lIns="0" tIns="0" rIns="0" bIns="0" rtlCol="0" anchor="t">
             <a:spAutoFit/>
           </a:bodyPr>
           <a:lstStyle/>
           <a:p>
-            <a:pPr algn="r" marL="0" indent="0" lvl="0">
+            <a:pPr marL="0" lvl="0" indent="0" algn="r">
               <a:lnSpc>
                 <a:spcPts val="4435"/>
               </a:lnSpc>
@@ -3959,12 +3852,12 @@
       </p:sp>
       <p:grpSp>
         <p:nvGrpSpPr>
-          <p:cNvPr name="Group 12" id="12"/>
+          <p:cNvPr id="12" name="Group 12"/>
           <p:cNvGrpSpPr/>
           <p:nvPr/>
         </p:nvGrpSpPr>
         <p:grpSpPr>
-          <a:xfrm rot="0">
+          <a:xfrm>
             <a:off x="5831874" y="683474"/>
             <a:ext cx="12035966" cy="8920053"/>
             <a:chOff x="0" y="0"/>
@@ -3973,12 +3866,12 @@
         </p:grpSpPr>
         <p:sp>
           <p:nvSpPr>
-            <p:cNvPr name="Freeform 13" id="13"/>
+            <p:cNvPr id="13" name="Freeform 13"/>
             <p:cNvSpPr/>
             <p:nvPr/>
           </p:nvSpPr>
           <p:spPr>
-            <a:xfrm flipH="false" flipV="false" rot="0">
+            <a:xfrm>
               <a:off x="0" y="0"/>
               <a:ext cx="3419408" cy="2534180"/>
             </a:xfrm>
@@ -3987,9 +3880,9 @@
               <a:gdLst/>
               <a:ahLst/>
               <a:cxnLst/>
-              <a:rect r="r" b="b" t="t" l="l"/>
+              <a:rect l="l" t="t" r="r" b="b"/>
               <a:pathLst>
-                <a:path h="2534180" w="3419408">
+                <a:path w="3419408" h="2534180">
                   <a:moveTo>
                     <a:pt x="36021" y="0"/>
                   </a:moveTo>
@@ -4044,7 +3937,7 @@
                 </a:path>
               </a:pathLst>
             </a:custGeom>
-            <a:gradFill rotWithShape="true">
+            <a:gradFill rotWithShape="1">
               <a:gsLst>
                 <a:gs pos="0">
                   <a:srgbClr val="000000">
@@ -4063,8 +3956,8 @@
         </p:sp>
         <p:sp>
           <p:nvSpPr>
-            <p:cNvPr name="TextBox 14" id="14"/>
-            <p:cNvSpPr txBox="true"/>
+            <p:cNvPr id="14" name="TextBox 14"/>
+            <p:cNvSpPr txBox="1"/>
             <p:nvPr/>
           </p:nvSpPr>
           <p:spPr>
@@ -4077,7 +3970,7 @@
             </a:prstGeom>
           </p:spPr>
           <p:txBody>
-            <a:bodyPr anchor="ctr" rtlCol="false" tIns="50800" lIns="50800" bIns="50800" rIns="50800"/>
+            <a:bodyPr lIns="50800" tIns="50800" rIns="50800" bIns="50800" rtlCol="0" anchor="ctr"/>
             <a:lstStyle/>
             <a:p>
               <a:pPr algn="ctr">
@@ -4085,18 +3978,19 @@
                   <a:spcPts val="3151"/>
                 </a:lnSpc>
               </a:pPr>
+              <a:endParaRPr/>
             </a:p>
           </p:txBody>
         </p:sp>
       </p:grpSp>
       <p:sp>
         <p:nvSpPr>
-          <p:cNvPr name="TextBox 15" id="15"/>
-          <p:cNvSpPr txBox="true"/>
+          <p:cNvPr id="15" name="TextBox 15"/>
+          <p:cNvSpPr txBox="1"/>
           <p:nvPr/>
         </p:nvSpPr>
         <p:spPr>
-          <a:xfrm rot="0">
+          <a:xfrm>
             <a:off x="6063487" y="1059220"/>
             <a:ext cx="11621494" cy="8528219"/>
           </a:xfrm>
@@ -4105,7 +3999,7 @@
           </a:prstGeom>
         </p:spPr>
         <p:txBody>
-          <a:bodyPr anchor="t" rtlCol="false" tIns="0" lIns="0" bIns="0" rIns="0">
+          <a:bodyPr lIns="0" tIns="0" rIns="0" bIns="0" rtlCol="0" anchor="t">
             <a:spAutoFit/>
           </a:bodyPr>
           <a:lstStyle/>
@@ -4172,6 +4066,15 @@
                 <a:spcPts val="3244"/>
               </a:lnSpc>
             </a:pPr>
+            <a:endParaRPr lang="en-US" sz="2317">
+              <a:solidFill>
+                <a:srgbClr val="FFFFFF"/>
+              </a:solidFill>
+              <a:latin typeface="Poppins"/>
+              <a:ea typeface="Poppins"/>
+              <a:cs typeface="Poppins"/>
+              <a:sym typeface="Poppins"/>
+            </a:endParaRPr>
           </a:p>
           <a:p>
             <a:pPr algn="just">
@@ -4179,6 +4082,15 @@
                 <a:spcPts val="3244"/>
               </a:lnSpc>
             </a:pPr>
+            <a:endParaRPr lang="en-US" sz="2317">
+              <a:solidFill>
+                <a:srgbClr val="FFFFFF"/>
+              </a:solidFill>
+              <a:latin typeface="Poppins"/>
+              <a:ea typeface="Poppins"/>
+              <a:cs typeface="Poppins"/>
+              <a:sym typeface="Poppins"/>
+            </a:endParaRPr>
           </a:p>
           <a:p>
             <a:pPr algn="just">
@@ -4395,6 +4307,15 @@
                 <a:spcPts val="3244"/>
               </a:lnSpc>
             </a:pPr>
+            <a:endParaRPr lang="en-US" sz="2317">
+              <a:solidFill>
+                <a:srgbClr val="FFFFFF"/>
+              </a:solidFill>
+              <a:latin typeface="Poppins"/>
+              <a:ea typeface="Poppins"/>
+              <a:cs typeface="Poppins"/>
+              <a:sym typeface="Poppins"/>
+            </a:endParaRPr>
           </a:p>
           <a:p>
             <a:pPr algn="just">
@@ -4440,6 +4361,15 @@
                 <a:spcPts val="3244"/>
               </a:lnSpc>
             </a:pPr>
+            <a:endParaRPr lang="en-US" sz="2317">
+              <a:solidFill>
+                <a:srgbClr val="FFFFFF"/>
+              </a:solidFill>
+              <a:latin typeface="Poppins"/>
+              <a:ea typeface="Poppins"/>
+              <a:cs typeface="Poppins"/>
+              <a:sym typeface="Poppins"/>
+            </a:endParaRPr>
           </a:p>
         </p:txBody>
       </p:sp>
@@ -4452,11 +4382,11 @@
 </file>
 
 <file path=ppt/slides/slide3.xml><?xml version="1.0" encoding="utf-8"?>
-<p:sld xmlns:p="http://schemas.openxmlformats.org/presentationml/2006/main" xmlns:a="http://schemas.openxmlformats.org/drawingml/2006/main" xmlns:r="http://schemas.openxmlformats.org/officeDocument/2006/relationships">
+<p:sld xmlns:a="http://schemas.openxmlformats.org/drawingml/2006/main" xmlns:r="http://schemas.openxmlformats.org/officeDocument/2006/relationships" xmlns:p="http://schemas.openxmlformats.org/presentationml/2006/main">
   <p:cSld>
     <p:bg>
       <p:bgPr>
-        <a:gradFill rotWithShape="true">
+        <a:gradFill rotWithShape="1">
           <a:gsLst>
             <a:gs pos="0">
               <a:srgbClr val="000000">
@@ -4470,10 +4400,11 @@
             </a:gs>
           </a:gsLst>
           <a:path path="circle">
-            <a:fillToRect l="0" r="100000" t="0" b="100000"/>
+            <a:fillToRect r="100000" b="100000"/>
           </a:path>
-          <a:tileRect r="0" l="-100000" b="0" t="-100000"/>
+          <a:tileRect l="-100000" t="-100000"/>
         </a:gradFill>
+        <a:effectLst/>
       </p:bgPr>
     </p:bg>
     <p:spTree>
@@ -4492,12 +4423,12 @@
       </p:grpSpPr>
       <p:grpSp>
         <p:nvGrpSpPr>
-          <p:cNvPr name="Group 2" id="2"/>
+          <p:cNvPr id="2" name="Group 2"/>
           <p:cNvGrpSpPr/>
           <p:nvPr/>
         </p:nvGrpSpPr>
         <p:grpSpPr>
-          <a:xfrm rot="0">
+          <a:xfrm>
             <a:off x="803986" y="643529"/>
             <a:ext cx="8519876" cy="8912979"/>
             <a:chOff x="0" y="0"/>
@@ -4506,12 +4437,12 @@
         </p:grpSpPr>
         <p:sp>
           <p:nvSpPr>
-            <p:cNvPr name="Freeform 3" id="3"/>
+            <p:cNvPr id="3" name="Freeform 3"/>
             <p:cNvSpPr/>
             <p:nvPr/>
           </p:nvSpPr>
           <p:spPr>
-            <a:xfrm flipH="false" flipV="false" rot="0">
+            <a:xfrm>
               <a:off x="0" y="0"/>
               <a:ext cx="2243918" cy="2347451"/>
             </a:xfrm>
@@ -4520,9 +4451,9 @@
               <a:gdLst/>
               <a:ahLst/>
               <a:cxnLst/>
-              <a:rect r="r" b="b" t="t" l="l"/>
+              <a:rect l="l" t="t" r="r" b="b"/>
               <a:pathLst>
-                <a:path h="2347451" w="2243918">
+                <a:path w="2243918" h="2347451">
                   <a:moveTo>
                     <a:pt x="50887" y="0"/>
                   </a:moveTo>
@@ -4582,7 +4513,7 @@
                 </a:path>
               </a:pathLst>
             </a:custGeom>
-            <a:gradFill rotWithShape="true">
+            <a:gradFill rotWithShape="1">
               <a:gsLst>
                 <a:gs pos="0">
                   <a:srgbClr val="000000">
@@ -4601,8 +4532,8 @@
         </p:sp>
         <p:sp>
           <p:nvSpPr>
-            <p:cNvPr name="TextBox 4" id="4"/>
-            <p:cNvSpPr txBox="true"/>
+            <p:cNvPr id="4" name="TextBox 4"/>
+            <p:cNvSpPr txBox="1"/>
             <p:nvPr/>
           </p:nvSpPr>
           <p:spPr>
@@ -4615,7 +4546,7 @@
             </a:prstGeom>
           </p:spPr>
           <p:txBody>
-            <a:bodyPr anchor="ctr" rtlCol="false" tIns="50800" lIns="50800" bIns="50800" rIns="50800"/>
+            <a:bodyPr lIns="50800" tIns="50800" rIns="50800" bIns="50800" rtlCol="0" anchor="ctr"/>
             <a:lstStyle/>
             <a:p>
               <a:pPr algn="ctr">
@@ -4623,18 +4554,19 @@
                   <a:spcPts val="3151"/>
                 </a:lnSpc>
               </a:pPr>
+              <a:endParaRPr/>
             </a:p>
           </p:txBody>
         </p:sp>
       </p:grpSp>
       <p:grpSp>
         <p:nvGrpSpPr>
-          <p:cNvPr name="Group 5" id="5"/>
+          <p:cNvPr id="5" name="Group 5"/>
           <p:cNvGrpSpPr/>
           <p:nvPr/>
         </p:nvGrpSpPr>
         <p:grpSpPr>
-          <a:xfrm rot="0">
+          <a:xfrm>
             <a:off x="9626763" y="234637"/>
             <a:ext cx="6619128" cy="4908863"/>
             <a:chOff x="0" y="0"/>
@@ -4643,12 +4575,12 @@
         </p:grpSpPr>
         <p:sp>
           <p:nvSpPr>
-            <p:cNvPr name="Freeform 6" id="6"/>
+            <p:cNvPr id="6" name="Freeform 6"/>
             <p:cNvSpPr/>
             <p:nvPr/>
           </p:nvSpPr>
           <p:spPr>
-            <a:xfrm flipH="false" flipV="false" rot="0">
+            <a:xfrm>
               <a:off x="0" y="0"/>
               <a:ext cx="1165771" cy="864557"/>
             </a:xfrm>
@@ -4657,9 +4589,9 @@
               <a:gdLst/>
               <a:ahLst/>
               <a:cxnLst/>
-              <a:rect r="r" b="b" t="t" l="l"/>
+              <a:rect l="l" t="t" r="r" b="b"/>
               <a:pathLst>
-                <a:path h="864557" w="1165771">
+                <a:path w="1165771" h="864557">
                   <a:moveTo>
                     <a:pt x="65499" y="0"/>
                   </a:moveTo>
@@ -4702,7 +4634,7 @@
             <a:blipFill>
               <a:blip r:embed="rId2"/>
               <a:stretch>
-                <a:fillRect l="0" t="-3270" r="0" b="-3270"/>
+                <a:fillRect t="-3270" b="-3270"/>
               </a:stretch>
             </a:blipFill>
           </p:spPr>
@@ -4710,12 +4642,12 @@
       </p:grpSp>
       <p:grpSp>
         <p:nvGrpSpPr>
-          <p:cNvPr name="Group 7" id="7"/>
+          <p:cNvPr id="7" name="Group 7"/>
           <p:cNvGrpSpPr/>
           <p:nvPr/>
         </p:nvGrpSpPr>
         <p:grpSpPr>
-          <a:xfrm rot="0">
+          <a:xfrm>
             <a:off x="9626763" y="5203190"/>
             <a:ext cx="6619128" cy="4908863"/>
             <a:chOff x="0" y="0"/>
@@ -4724,12 +4656,12 @@
         </p:grpSpPr>
         <p:sp>
           <p:nvSpPr>
-            <p:cNvPr name="Freeform 8" id="8"/>
+            <p:cNvPr id="8" name="Freeform 8"/>
             <p:cNvSpPr/>
             <p:nvPr/>
           </p:nvSpPr>
           <p:spPr>
-            <a:xfrm flipH="false" flipV="false" rot="0">
+            <a:xfrm>
               <a:off x="0" y="0"/>
               <a:ext cx="1165771" cy="864557"/>
             </a:xfrm>
@@ -4738,9 +4670,9 @@
               <a:gdLst/>
               <a:ahLst/>
               <a:cxnLst/>
-              <a:rect r="r" b="b" t="t" l="l"/>
+              <a:rect l="l" t="t" r="r" b="b"/>
               <a:pathLst>
-                <a:path h="864557" w="1165771">
+                <a:path w="1165771" h="864557">
                   <a:moveTo>
                     <a:pt x="65499" y="0"/>
                   </a:moveTo>
@@ -4783,7 +4715,7 @@
             <a:blipFill>
               <a:blip r:embed="rId3"/>
               <a:stretch>
-                <a:fillRect l="0" t="0" r="-2487" b="0"/>
+                <a:fillRect r="-2487"/>
               </a:stretch>
             </a:blipFill>
           </p:spPr>
@@ -4791,12 +4723,12 @@
       </p:grpSp>
       <p:grpSp>
         <p:nvGrpSpPr>
-          <p:cNvPr name="Group 9" id="9"/>
+          <p:cNvPr id="9" name="Group 9"/>
           <p:cNvGrpSpPr/>
           <p:nvPr/>
         </p:nvGrpSpPr>
         <p:grpSpPr>
-          <a:xfrm rot="0">
+          <a:xfrm>
             <a:off x="16478163" y="234637"/>
             <a:ext cx="1562273" cy="9618954"/>
             <a:chOff x="0" y="0"/>
@@ -4805,12 +4737,12 @@
         </p:grpSpPr>
         <p:sp>
           <p:nvSpPr>
-            <p:cNvPr name="Freeform 10" id="10"/>
+            <p:cNvPr id="10" name="Freeform 10"/>
             <p:cNvSpPr/>
             <p:nvPr/>
           </p:nvSpPr>
           <p:spPr>
-            <a:xfrm flipH="false" flipV="false" rot="0">
+            <a:xfrm>
               <a:off x="0" y="0"/>
               <a:ext cx="411463" cy="2533387"/>
             </a:xfrm>
@@ -4819,9 +4751,9 @@
               <a:gdLst/>
               <a:ahLst/>
               <a:cxnLst/>
-              <a:rect r="r" b="b" t="t" l="l"/>
+              <a:rect l="l" t="t" r="r" b="b"/>
               <a:pathLst>
-                <a:path h="2533387" w="411463">
+                <a:path w="411463" h="2533387">
                   <a:moveTo>
                     <a:pt x="205731" y="0"/>
                   </a:moveTo>
@@ -4877,8 +4809,8 @@
         </p:sp>
         <p:sp>
           <p:nvSpPr>
-            <p:cNvPr name="TextBox 11" id="11"/>
-            <p:cNvSpPr txBox="true"/>
+            <p:cNvPr id="11" name="TextBox 11"/>
+            <p:cNvSpPr txBox="1"/>
             <p:nvPr/>
           </p:nvSpPr>
           <p:spPr>
@@ -4891,7 +4823,7 @@
             </a:prstGeom>
           </p:spPr>
           <p:txBody>
-            <a:bodyPr anchor="ctr" rtlCol="false" tIns="50800" lIns="50800" bIns="50800" rIns="50800"/>
+            <a:bodyPr lIns="50800" tIns="50800" rIns="50800" bIns="50800" rtlCol="0" anchor="ctr"/>
             <a:lstStyle/>
             <a:p>
               <a:pPr algn="ctr">
@@ -4899,18 +4831,19 @@
                   <a:spcPts val="3151"/>
                 </a:lnSpc>
               </a:pPr>
+              <a:endParaRPr/>
             </a:p>
           </p:txBody>
         </p:sp>
       </p:grpSp>
       <p:sp>
         <p:nvSpPr>
-          <p:cNvPr name="TextBox 12" id="12"/>
-          <p:cNvSpPr txBox="true"/>
+          <p:cNvPr id="12" name="TextBox 12"/>
+          <p:cNvSpPr txBox="1"/>
           <p:nvPr/>
         </p:nvSpPr>
         <p:spPr>
-          <a:xfrm rot="0">
+          <a:xfrm>
             <a:off x="803986" y="942975"/>
             <a:ext cx="8090176" cy="8434705"/>
           </a:xfrm>
@@ -4919,16 +4852,16 @@
           </a:prstGeom>
         </p:spPr>
         <p:txBody>
-          <a:bodyPr anchor="t" rtlCol="false" tIns="0" lIns="0" bIns="0" rIns="0">
+          <a:bodyPr lIns="0" tIns="0" rIns="0" bIns="0" rtlCol="0" anchor="t">
             <a:spAutoFit/>
           </a:bodyPr>
           <a:lstStyle/>
           <a:p>
-            <a:pPr algn="just" marL="604518" indent="-302259" lvl="1">
+            <a:pPr marL="604518" lvl="1" indent="-302259" algn="just">
               <a:lnSpc>
                 <a:spcPts val="3919"/>
               </a:lnSpc>
-              <a:buAutoNum type="arabicPeriod" startAt="1"/>
+              <a:buAutoNum type="arabicPeriod"/>
             </a:pPr>
             <a:r>
               <a:rPr lang="en-US" sz="2799">
@@ -4944,11 +4877,11 @@
             </a:r>
           </a:p>
           <a:p>
-            <a:pPr algn="just" marL="604518" indent="-302259" lvl="1">
+            <a:pPr marL="604518" lvl="1" indent="-302259" algn="just">
               <a:lnSpc>
                 <a:spcPts val="3919"/>
               </a:lnSpc>
-              <a:buAutoNum type="arabicPeriod" startAt="1"/>
+              <a:buAutoNum type="arabicPeriod"/>
             </a:pPr>
             <a:r>
               <a:rPr lang="en-US" sz="2799">
@@ -4967,8 +4900,8 @@
       </p:sp>
       <p:sp>
         <p:nvSpPr>
-          <p:cNvPr name="TextBox 13" id="13"/>
-          <p:cNvSpPr txBox="true"/>
+          <p:cNvPr id="13" name="TextBox 13"/>
+          <p:cNvSpPr txBox="1"/>
           <p:nvPr/>
         </p:nvSpPr>
         <p:spPr>
@@ -4981,7 +4914,7 @@
           </a:prstGeom>
         </p:spPr>
         <p:txBody>
-          <a:bodyPr anchor="t" rtlCol="false" tIns="0" lIns="0" bIns="0" rIns="0">
+          <a:bodyPr lIns="0" tIns="0" rIns="0" bIns="0" rtlCol="0" anchor="t">
             <a:spAutoFit/>
           </a:bodyPr>
           <a:lstStyle/>
@@ -4992,7 +4925,7 @@
               </a:lnSpc>
             </a:pPr>
             <a:r>
-              <a:rPr lang="en-US" b="true" sz="6347" spc="-285">
+              <a:rPr lang="en-US" sz="6347" b="1" spc="-285">
                 <a:solidFill>
                   <a:srgbClr val="FFFFFF"/>
                 </a:solidFill>
@@ -5015,11 +4948,11 @@
 </file>
 
 <file path=ppt/slides/slide4.xml><?xml version="1.0" encoding="utf-8"?>
-<p:sld xmlns:p="http://schemas.openxmlformats.org/presentationml/2006/main" xmlns:a="http://schemas.openxmlformats.org/drawingml/2006/main" xmlns:r="http://schemas.openxmlformats.org/officeDocument/2006/relationships">
+<p:sld xmlns:a="http://schemas.openxmlformats.org/drawingml/2006/main" xmlns:r="http://schemas.openxmlformats.org/officeDocument/2006/relationships" xmlns:p="http://schemas.openxmlformats.org/presentationml/2006/main">
   <p:cSld>
     <p:bg>
       <p:bgPr>
-        <a:gradFill rotWithShape="true">
+        <a:gradFill rotWithShape="1">
           <a:gsLst>
             <a:gs pos="0">
               <a:srgbClr val="000000">
@@ -5033,10 +4966,11 @@
             </a:gs>
           </a:gsLst>
           <a:path path="circle">
-            <a:fillToRect l="0" r="100000" t="0" b="100000"/>
+            <a:fillToRect r="100000" b="100000"/>
           </a:path>
-          <a:tileRect r="0" l="-100000" b="0" t="-100000"/>
+          <a:tileRect l="-100000" t="-100000"/>
         </a:gradFill>
+        <a:effectLst/>
       </p:bgPr>
     </p:bg>
     <p:spTree>
@@ -5055,12 +4989,12 @@
       </p:grpSpPr>
       <p:grpSp>
         <p:nvGrpSpPr>
-          <p:cNvPr name="Group 2" id="2"/>
+          <p:cNvPr id="2" name="Group 2"/>
           <p:cNvGrpSpPr/>
           <p:nvPr/>
         </p:nvGrpSpPr>
         <p:grpSpPr>
-          <a:xfrm rot="0">
+          <a:xfrm>
             <a:off x="0" y="1821108"/>
             <a:ext cx="12467230" cy="8465892"/>
             <a:chOff x="0" y="0"/>
@@ -5069,12 +5003,12 @@
         </p:grpSpPr>
         <p:sp>
           <p:nvSpPr>
-            <p:cNvPr name="Freeform 3" id="3"/>
+            <p:cNvPr id="3" name="Freeform 3"/>
             <p:cNvSpPr/>
             <p:nvPr/>
           </p:nvSpPr>
           <p:spPr>
-            <a:xfrm flipH="false" flipV="false" rot="0">
+            <a:xfrm>
               <a:off x="0" y="0"/>
               <a:ext cx="1733916" cy="1177418"/>
             </a:xfrm>
@@ -5083,9 +5017,9 @@
               <a:gdLst/>
               <a:ahLst/>
               <a:cxnLst/>
-              <a:rect r="r" b="b" t="t" l="l"/>
+              <a:rect l="l" t="t" r="r" b="b"/>
               <a:pathLst>
-                <a:path h="1177418" w="1733916">
+                <a:path w="1733916" h="1177418">
                   <a:moveTo>
                     <a:pt x="34775" y="0"/>
                   </a:moveTo>
@@ -5133,7 +5067,7 @@
             <a:blipFill>
               <a:blip r:embed="rId2"/>
               <a:stretch>
-                <a:fillRect l="0" t="0" r="-11092" b="0"/>
+                <a:fillRect r="-11092"/>
               </a:stretch>
             </a:blipFill>
           </p:spPr>
@@ -5141,12 +5075,12 @@
       </p:grpSp>
       <p:grpSp>
         <p:nvGrpSpPr>
-          <p:cNvPr name="Group 4" id="4"/>
+          <p:cNvPr id="4" name="Group 4"/>
           <p:cNvGrpSpPr/>
           <p:nvPr/>
         </p:nvGrpSpPr>
         <p:grpSpPr>
-          <a:xfrm rot="0">
+          <a:xfrm>
             <a:off x="802547" y="411885"/>
             <a:ext cx="16682906" cy="1233630"/>
             <a:chOff x="0" y="0"/>
@@ -5155,12 +5089,12 @@
         </p:grpSpPr>
         <p:sp>
           <p:nvSpPr>
-            <p:cNvPr name="Freeform 5" id="5"/>
+            <p:cNvPr id="5" name="Freeform 5"/>
             <p:cNvSpPr/>
             <p:nvPr/>
           </p:nvSpPr>
           <p:spPr>
-            <a:xfrm flipH="false" flipV="false" rot="0">
+            <a:xfrm>
               <a:off x="0" y="0"/>
               <a:ext cx="4393852" cy="324907"/>
             </a:xfrm>
@@ -5169,9 +5103,9 @@
               <a:gdLst/>
               <a:ahLst/>
               <a:cxnLst/>
-              <a:rect r="r" b="b" t="t" l="l"/>
+              <a:rect l="l" t="t" r="r" b="b"/>
               <a:pathLst>
-                <a:path h="324907" w="4393852">
+                <a:path w="4393852" h="324907">
                   <a:moveTo>
                     <a:pt x="21811" y="0"/>
                   </a:moveTo>
@@ -5227,8 +5161,8 @@
         </p:sp>
         <p:sp>
           <p:nvSpPr>
-            <p:cNvPr name="TextBox 6" id="6"/>
-            <p:cNvSpPr txBox="true"/>
+            <p:cNvPr id="6" name="TextBox 6"/>
+            <p:cNvSpPr txBox="1"/>
             <p:nvPr/>
           </p:nvSpPr>
           <p:spPr>
@@ -5241,7 +5175,7 @@
             </a:prstGeom>
           </p:spPr>
           <p:txBody>
-            <a:bodyPr anchor="ctr" rtlCol="false" tIns="50800" lIns="50800" bIns="50800" rIns="50800"/>
+            <a:bodyPr lIns="50800" tIns="50800" rIns="50800" bIns="50800" rtlCol="0" anchor="ctr"/>
             <a:lstStyle/>
             <a:p>
               <a:pPr algn="ctr">
@@ -5249,18 +5183,19 @@
                   <a:spcPts val="3151"/>
                 </a:lnSpc>
               </a:pPr>
+              <a:endParaRPr/>
             </a:p>
           </p:txBody>
         </p:sp>
       </p:grpSp>
       <p:sp>
         <p:nvSpPr>
-          <p:cNvPr name="TextBox 7" id="7"/>
-          <p:cNvSpPr txBox="true"/>
+          <p:cNvPr id="7" name="TextBox 7"/>
+          <p:cNvSpPr txBox="1"/>
           <p:nvPr/>
         </p:nvSpPr>
         <p:spPr>
-          <a:xfrm rot="0">
+          <a:xfrm>
             <a:off x="952475" y="731938"/>
             <a:ext cx="16383051" cy="622100"/>
           </a:xfrm>
@@ -5269,7 +5204,7 @@
           </a:prstGeom>
         </p:spPr>
         <p:txBody>
-          <a:bodyPr anchor="t" rtlCol="false" tIns="0" lIns="0" bIns="0" rIns="0">
+          <a:bodyPr lIns="0" tIns="0" rIns="0" bIns="0" rtlCol="0" anchor="t">
             <a:spAutoFit/>
           </a:bodyPr>
           <a:lstStyle/>
@@ -5280,7 +5215,7 @@
               </a:lnSpc>
             </a:pPr>
             <a:r>
-              <a:rPr lang="en-US" b="true" sz="4296" spc="-193">
+              <a:rPr lang="en-US" sz="4296" b="1" spc="-193">
                 <a:solidFill>
                   <a:srgbClr val="FFFFFF"/>
                 </a:solidFill>
@@ -5296,12 +5231,12 @@
       </p:sp>
       <p:grpSp>
         <p:nvGrpSpPr>
-          <p:cNvPr name="Group 8" id="8"/>
+          <p:cNvPr id="8" name="Group 8"/>
           <p:cNvGrpSpPr/>
           <p:nvPr/>
         </p:nvGrpSpPr>
         <p:grpSpPr>
-          <a:xfrm rot="0">
+          <a:xfrm>
             <a:off x="12884517" y="1821108"/>
             <a:ext cx="4932227" cy="8314250"/>
             <a:chOff x="0" y="0"/>
@@ -5310,12 +5245,12 @@
         </p:grpSpPr>
         <p:sp>
           <p:nvSpPr>
-            <p:cNvPr name="Freeform 9" id="9"/>
+            <p:cNvPr id="9" name="Freeform 9"/>
             <p:cNvSpPr/>
             <p:nvPr/>
           </p:nvSpPr>
           <p:spPr>
-            <a:xfrm flipH="false" flipV="false" rot="0">
+            <a:xfrm>
               <a:off x="0" y="0"/>
               <a:ext cx="1299023" cy="2189761"/>
             </a:xfrm>
@@ -5324,9 +5259,9 @@
               <a:gdLst/>
               <a:ahLst/>
               <a:cxnLst/>
-              <a:rect r="r" b="b" t="t" l="l"/>
+              <a:rect l="l" t="t" r="r" b="b"/>
               <a:pathLst>
-                <a:path h="2189761" w="1299023">
+                <a:path w="1299023" h="2189761">
                   <a:moveTo>
                     <a:pt x="87901" y="0"/>
                   </a:moveTo>
@@ -5402,8 +5337,8 @@
         </p:sp>
         <p:sp>
           <p:nvSpPr>
-            <p:cNvPr name="TextBox 10" id="10"/>
-            <p:cNvSpPr txBox="true"/>
+            <p:cNvPr id="10" name="TextBox 10"/>
+            <p:cNvSpPr txBox="1"/>
             <p:nvPr/>
           </p:nvSpPr>
           <p:spPr>
@@ -5416,7 +5351,7 @@
             </a:prstGeom>
           </p:spPr>
           <p:txBody>
-            <a:bodyPr anchor="ctr" rtlCol="false" tIns="50800" lIns="50800" bIns="50800" rIns="50800"/>
+            <a:bodyPr lIns="50800" tIns="50800" rIns="50800" bIns="50800" rtlCol="0" anchor="ctr"/>
             <a:lstStyle/>
             <a:p>
               <a:pPr algn="ctr">
@@ -5424,18 +5359,19 @@
                   <a:spcPts val="3151"/>
                 </a:lnSpc>
               </a:pPr>
+              <a:endParaRPr/>
             </a:p>
           </p:txBody>
         </p:sp>
       </p:grpSp>
       <p:sp>
         <p:nvSpPr>
-          <p:cNvPr name="TextBox 11" id="11"/>
-          <p:cNvSpPr txBox="true"/>
+          <p:cNvPr id="11" name="TextBox 11"/>
+          <p:cNvSpPr txBox="1"/>
           <p:nvPr/>
         </p:nvSpPr>
         <p:spPr>
-          <a:xfrm rot="0">
+          <a:xfrm>
             <a:off x="13140711" y="1861528"/>
             <a:ext cx="4419839" cy="7804785"/>
           </a:xfrm>
@@ -5444,7 +5380,7 @@
           </a:prstGeom>
         </p:spPr>
         <p:txBody>
-          <a:bodyPr anchor="t" rtlCol="false" tIns="0" lIns="0" bIns="0" rIns="0">
+          <a:bodyPr lIns="0" tIns="0" rIns="0" bIns="0" rtlCol="0" anchor="t">
             <a:spAutoFit/>
           </a:bodyPr>
           <a:lstStyle/>
@@ -5478,11 +5414,11 @@
 </file>
 
 <file path=ppt/slides/slide5.xml><?xml version="1.0" encoding="utf-8"?>
-<p:sld xmlns:p="http://schemas.openxmlformats.org/presentationml/2006/main" xmlns:a="http://schemas.openxmlformats.org/drawingml/2006/main">
+<p:sld xmlns:a="http://schemas.openxmlformats.org/drawingml/2006/main" xmlns:r="http://schemas.openxmlformats.org/officeDocument/2006/relationships" xmlns:p="http://schemas.openxmlformats.org/presentationml/2006/main">
   <p:cSld>
     <p:bg>
       <p:bgPr>
-        <a:gradFill rotWithShape="true">
+        <a:gradFill rotWithShape="1">
           <a:gsLst>
             <a:gs pos="0">
               <a:srgbClr val="000000">
@@ -5496,10 +5432,11 @@
             </a:gs>
           </a:gsLst>
           <a:path path="circle">
-            <a:fillToRect l="0" r="100000" t="0" b="100000"/>
+            <a:fillToRect r="100000" b="100000"/>
           </a:path>
-          <a:tileRect r="0" l="-100000" b="0" t="-100000"/>
+          <a:tileRect l="-100000" t="-100000"/>
         </a:gradFill>
+        <a:effectLst/>
       </p:bgPr>
     </p:bg>
     <p:spTree>
@@ -5518,12 +5455,12 @@
       </p:grpSpPr>
       <p:grpSp>
         <p:nvGrpSpPr>
-          <p:cNvPr name="Group 2" id="2"/>
+          <p:cNvPr id="2" name="Group 2"/>
           <p:cNvGrpSpPr/>
           <p:nvPr/>
         </p:nvGrpSpPr>
         <p:grpSpPr>
-          <a:xfrm rot="0">
+          <a:xfrm>
             <a:off x="803986" y="295717"/>
             <a:ext cx="6301476" cy="3931593"/>
             <a:chOff x="0" y="0"/>
@@ -5532,12 +5469,12 @@
         </p:grpSpPr>
         <p:sp>
           <p:nvSpPr>
-            <p:cNvPr name="Freeform 3" id="3"/>
+            <p:cNvPr id="3" name="Freeform 3"/>
             <p:cNvSpPr/>
             <p:nvPr/>
           </p:nvSpPr>
           <p:spPr>
-            <a:xfrm flipH="false" flipV="false" rot="0">
+            <a:xfrm>
               <a:off x="0" y="0"/>
               <a:ext cx="1659648" cy="1035481"/>
             </a:xfrm>
@@ -5546,9 +5483,9 @@
               <a:gdLst/>
               <a:ahLst/>
               <a:cxnLst/>
-              <a:rect r="r" b="b" t="t" l="l"/>
+              <a:rect l="l" t="t" r="r" b="b"/>
               <a:pathLst>
-                <a:path h="1035481" w="1659648">
+                <a:path w="1659648" h="1035481">
                   <a:moveTo>
                     <a:pt x="68801" y="0"/>
                   </a:moveTo>
@@ -5608,7 +5545,7 @@
                 </a:path>
               </a:pathLst>
             </a:custGeom>
-            <a:gradFill rotWithShape="true">
+            <a:gradFill rotWithShape="1">
               <a:gsLst>
                 <a:gs pos="0">
                   <a:srgbClr val="000000">
@@ -5627,8 +5564,8 @@
         </p:sp>
         <p:sp>
           <p:nvSpPr>
-            <p:cNvPr name="TextBox 4" id="4"/>
-            <p:cNvSpPr txBox="true"/>
+            <p:cNvPr id="4" name="TextBox 4"/>
+            <p:cNvSpPr txBox="1"/>
             <p:nvPr/>
           </p:nvSpPr>
           <p:spPr>
@@ -5641,7 +5578,7 @@
             </a:prstGeom>
           </p:spPr>
           <p:txBody>
-            <a:bodyPr anchor="ctr" rtlCol="false" tIns="50800" lIns="50800" bIns="50800" rIns="50800"/>
+            <a:bodyPr lIns="50800" tIns="50800" rIns="50800" bIns="50800" rtlCol="0" anchor="ctr"/>
             <a:lstStyle/>
             <a:p>
               <a:pPr algn="ctr">
@@ -5649,18 +5586,19 @@
                   <a:spcPts val="3151"/>
                 </a:lnSpc>
               </a:pPr>
+              <a:endParaRPr/>
             </a:p>
           </p:txBody>
         </p:sp>
       </p:grpSp>
       <p:grpSp>
         <p:nvGrpSpPr>
-          <p:cNvPr name="Group 5" id="5"/>
+          <p:cNvPr id="5" name="Group 5"/>
           <p:cNvGrpSpPr/>
           <p:nvPr/>
         </p:nvGrpSpPr>
         <p:grpSpPr>
-          <a:xfrm rot="0">
+          <a:xfrm>
             <a:off x="7897344" y="336108"/>
             <a:ext cx="9783203" cy="4661941"/>
             <a:chOff x="0" y="0"/>
@@ -5669,12 +5607,12 @@
         </p:grpSpPr>
         <p:sp>
           <p:nvSpPr>
-            <p:cNvPr name="Freeform 6" id="6"/>
+            <p:cNvPr id="6" name="Freeform 6"/>
             <p:cNvSpPr/>
             <p:nvPr/>
           </p:nvSpPr>
           <p:spPr>
-            <a:xfrm flipH="false" flipV="false" rot="0">
+            <a:xfrm>
               <a:off x="0" y="0"/>
               <a:ext cx="2576646" cy="1227836"/>
             </a:xfrm>
@@ -5683,9 +5621,9 @@
               <a:gdLst/>
               <a:ahLst/>
               <a:cxnLst/>
-              <a:rect r="r" b="b" t="t" l="l"/>
+              <a:rect l="l" t="t" r="r" b="b"/>
               <a:pathLst>
-                <a:path h="1227836" w="2576646">
+                <a:path w="2576646" h="1227836">
                   <a:moveTo>
                     <a:pt x="44315" y="0"/>
                   </a:moveTo>
@@ -5740,7 +5678,7 @@
                 </a:path>
               </a:pathLst>
             </a:custGeom>
-            <a:gradFill rotWithShape="true">
+            <a:gradFill rotWithShape="1">
               <a:gsLst>
                 <a:gs pos="0">
                   <a:srgbClr val="000F9B">
@@ -5759,16 +5697,16 @@
                 </a:gs>
               </a:gsLst>
               <a:path path="circle">
-                <a:fillToRect l="0" r="100000" t="0" b="100000"/>
+                <a:fillToRect r="100000" b="100000"/>
               </a:path>
-              <a:tileRect r="0" l="-100000" b="0" t="-100000"/>
+              <a:tileRect l="-100000" t="-100000"/>
             </a:gradFill>
           </p:spPr>
         </p:sp>
         <p:sp>
           <p:nvSpPr>
-            <p:cNvPr name="TextBox 7" id="7"/>
-            <p:cNvSpPr txBox="true"/>
+            <p:cNvPr id="7" name="TextBox 7"/>
+            <p:cNvSpPr txBox="1"/>
             <p:nvPr/>
           </p:nvSpPr>
           <p:spPr>
@@ -5781,7 +5719,7 @@
             </a:prstGeom>
           </p:spPr>
           <p:txBody>
-            <a:bodyPr anchor="ctr" rtlCol="false" tIns="50800" lIns="50800" bIns="50800" rIns="50800"/>
+            <a:bodyPr lIns="50800" tIns="50800" rIns="50800" bIns="50800" rtlCol="0" anchor="ctr"/>
             <a:lstStyle/>
             <a:p>
               <a:pPr algn="ctr">
@@ -5789,15 +5727,16 @@
                   <a:spcPts val="3151"/>
                 </a:lnSpc>
               </a:pPr>
+              <a:endParaRPr/>
             </a:p>
           </p:txBody>
         </p:sp>
       </p:grpSp>
       <p:graphicFrame>
         <p:nvGraphicFramePr>
-          <p:cNvPr name="Table 8" id="8"/>
+          <p:cNvPr id="8" name="Table 8"/>
           <p:cNvGraphicFramePr>
-            <a:graphicFrameLocks noGrp="true"/>
+            <a:graphicFrameLocks noGrp="1"/>
           </p:cNvGraphicFramePr>
           <p:nvPr/>
         </p:nvGraphicFramePr>
@@ -5810,13 +5749,25 @@
             <a:tbl>
               <a:tblPr/>
               <a:tblGrid>
-                <a:gridCol w="1806741"/>
-                <a:gridCol w="2719636"/>
+                <a:gridCol w="1806741">
+                  <a:extLst>
+                    <a:ext uri="{9D8B030D-6E8A-4147-A177-3AD203B41FA5}">
+                      <a16:colId xmlns:a16="http://schemas.microsoft.com/office/drawing/2014/main" val="20000"/>
+                    </a:ext>
+                  </a:extLst>
+                </a:gridCol>
+                <a:gridCol w="2719636">
+                  <a:extLst>
+                    <a:ext uri="{9D8B030D-6E8A-4147-A177-3AD203B41FA5}">
+                      <a16:colId xmlns:a16="http://schemas.microsoft.com/office/drawing/2014/main" val="20001"/>
+                    </a:ext>
+                  </a:extLst>
+                </a:gridCol>
               </a:tblGrid>
               <a:tr h="1126947">
                 <a:tc>
                   <a:txBody>
-                    <a:bodyPr anchor="t" rtlCol="false"/>
+                    <a:bodyPr/>
                     <a:lstStyle/>
                     <a:p>
                       <a:pPr algn="ctr">
@@ -5826,7 +5777,7 @@
                         <a:defRPr/>
                       </a:pPr>
                       <a:r>
-                        <a:rPr lang="en-US" sz="2600" b="true">
+                        <a:rPr lang="en-US" sz="2600" b="1">
                           <a:solidFill>
                             <a:srgbClr val="FFFFFF"/>
                           </a:solidFill>
@@ -5841,7 +5792,7 @@
                     </a:p>
                   </a:txBody>
                   <a:tcPr marL="190500" marR="190500" marT="190500" marB="190500" anchor="ctr">
-                    <a:lnL cmpd="sng" algn="ctr" cap="flat" w="38100">
+                    <a:lnL w="38100" cap="flat" cmpd="sng" algn="ctr">
                       <a:solidFill>
                         <a:srgbClr val="FFFFFF"/>
                       </a:solidFill>
@@ -5850,7 +5801,7 @@
                       <a:headEnd type="none" w="med" len="med"/>
                       <a:tailEnd type="none" w="med" len="med"/>
                     </a:lnL>
-                    <a:lnR cmpd="sng" algn="ctr" cap="flat" w="38100">
+                    <a:lnR w="38100" cap="flat" cmpd="sng" algn="ctr">
                       <a:solidFill>
                         <a:srgbClr val="FFFFFF"/>
                       </a:solidFill>
@@ -5859,7 +5810,7 @@
                       <a:headEnd type="none" w="med" len="med"/>
                       <a:tailEnd type="none" w="med" len="med"/>
                     </a:lnR>
-                    <a:lnT cmpd="sng" algn="ctr" cap="flat" w="38100">
+                    <a:lnT w="38100" cap="flat" cmpd="sng" algn="ctr">
                       <a:solidFill>
                         <a:srgbClr val="FFFFFF"/>
                       </a:solidFill>
@@ -5868,7 +5819,7 @@
                       <a:headEnd type="none" w="med" len="med"/>
                       <a:tailEnd type="none" w="med" len="med"/>
                     </a:lnT>
-                    <a:lnB cmpd="sng" algn="ctr" cap="flat" w="38100">
+                    <a:lnB w="38100" cap="flat" cmpd="sng" algn="ctr">
                       <a:solidFill>
                         <a:srgbClr val="FFFFFF"/>
                       </a:solidFill>
@@ -5881,7 +5832,7 @@
                 </a:tc>
                 <a:tc>
                   <a:txBody>
-                    <a:bodyPr anchor="t" rtlCol="false"/>
+                    <a:bodyPr/>
                     <a:lstStyle/>
                     <a:p>
                       <a:pPr algn="ctr">
@@ -5891,7 +5842,7 @@
                         <a:defRPr/>
                       </a:pPr>
                       <a:r>
-                        <a:rPr lang="en-US" sz="2600" b="true">
+                        <a:rPr lang="en-US" sz="2600" b="1">
                           <a:solidFill>
                             <a:srgbClr val="FFFFFF"/>
                           </a:solidFill>
@@ -5906,7 +5857,7 @@
                     </a:p>
                   </a:txBody>
                   <a:tcPr marL="190500" marR="190500" marT="190500" marB="190500" anchor="ctr">
-                    <a:lnL cmpd="sng" algn="ctr" cap="flat" w="38100">
+                    <a:lnL w="38100" cap="flat" cmpd="sng" algn="ctr">
                       <a:solidFill>
                         <a:srgbClr val="FFFFFF"/>
                       </a:solidFill>
@@ -5915,7 +5866,7 @@
                       <a:headEnd type="none" w="med" len="med"/>
                       <a:tailEnd type="none" w="med" len="med"/>
                     </a:lnL>
-                    <a:lnR cmpd="sng" algn="ctr" cap="flat" w="38100">
+                    <a:lnR w="38100" cap="flat" cmpd="sng" algn="ctr">
                       <a:solidFill>
                         <a:srgbClr val="FFFFFF"/>
                       </a:solidFill>
@@ -5924,7 +5875,7 @@
                       <a:headEnd type="none" w="med" len="med"/>
                       <a:tailEnd type="none" w="med" len="med"/>
                     </a:lnR>
-                    <a:lnT cmpd="sng" algn="ctr" cap="flat" w="38100">
+                    <a:lnT w="38100" cap="flat" cmpd="sng" algn="ctr">
                       <a:solidFill>
                         <a:srgbClr val="FFFFFF"/>
                       </a:solidFill>
@@ -5933,7 +5884,7 @@
                       <a:headEnd type="none" w="med" len="med"/>
                       <a:tailEnd type="none" w="med" len="med"/>
                     </a:lnT>
-                    <a:lnB cmpd="sng" algn="ctr" cap="flat" w="38100">
+                    <a:lnB w="38100" cap="flat" cmpd="sng" algn="ctr">
                       <a:solidFill>
                         <a:srgbClr val="FFFFFF"/>
                       </a:solidFill>
@@ -5944,11 +5895,16 @@
                     </a:lnB>
                   </a:tcPr>
                 </a:tc>
+                <a:extLst>
+                  <a:ext uri="{0D108BD9-81ED-4DB2-BD59-A6C34878D82A}">
+                    <a16:rowId xmlns:a16="http://schemas.microsoft.com/office/drawing/2014/main" val="10000"/>
+                  </a:ext>
+                </a:extLst>
               </a:tr>
               <a:tr h="1126947">
                 <a:tc>
                   <a:txBody>
-                    <a:bodyPr anchor="t" rtlCol="false"/>
+                    <a:bodyPr/>
                     <a:lstStyle/>
                     <a:p>
                       <a:pPr algn="ctr">
@@ -5973,7 +5929,7 @@
                     </a:p>
                   </a:txBody>
                   <a:tcPr marL="190500" marR="190500" marT="190500" marB="190500" anchor="ctr">
-                    <a:lnL cmpd="sng" algn="ctr" cap="flat" w="38100">
+                    <a:lnL w="38100" cap="flat" cmpd="sng" algn="ctr">
                       <a:solidFill>
                         <a:srgbClr val="FFFFFF"/>
                       </a:solidFill>
@@ -5982,7 +5938,7 @@
                       <a:headEnd type="none" w="med" len="med"/>
                       <a:tailEnd type="none" w="med" len="med"/>
                     </a:lnL>
-                    <a:lnR cmpd="sng" algn="ctr" cap="flat" w="38100">
+                    <a:lnR w="38100" cap="flat" cmpd="sng" algn="ctr">
                       <a:solidFill>
                         <a:srgbClr val="FFFFFF"/>
                       </a:solidFill>
@@ -5991,7 +5947,7 @@
                       <a:headEnd type="none" w="med" len="med"/>
                       <a:tailEnd type="none" w="med" len="med"/>
                     </a:lnR>
-                    <a:lnT cmpd="sng" algn="ctr" cap="flat" w="38100">
+                    <a:lnT w="38100" cap="flat" cmpd="sng" algn="ctr">
                       <a:solidFill>
                         <a:srgbClr val="FFFFFF"/>
                       </a:solidFill>
@@ -6000,7 +5956,7 @@
                       <a:headEnd type="none" w="med" len="med"/>
                       <a:tailEnd type="none" w="med" len="med"/>
                     </a:lnT>
-                    <a:lnB cmpd="sng" algn="ctr" cap="flat" w="38100">
+                    <a:lnB w="38100" cap="flat" cmpd="sng" algn="ctr">
                       <a:solidFill>
                         <a:srgbClr val="FFFFFF"/>
                       </a:solidFill>
@@ -6013,7 +5969,7 @@
                 </a:tc>
                 <a:tc>
                   <a:txBody>
-                    <a:bodyPr anchor="t" rtlCol="false"/>
+                    <a:bodyPr/>
                     <a:lstStyle/>
                     <a:p>
                       <a:pPr algn="ctr">
@@ -6038,7 +5994,7 @@
                     </a:p>
                   </a:txBody>
                   <a:tcPr marL="190500" marR="190500" marT="190500" marB="190500" anchor="ctr">
-                    <a:lnL cmpd="sng" algn="ctr" cap="flat" w="38100">
+                    <a:lnL w="38100" cap="flat" cmpd="sng" algn="ctr">
                       <a:solidFill>
                         <a:srgbClr val="FFFFFF"/>
                       </a:solidFill>
@@ -6047,7 +6003,7 @@
                       <a:headEnd type="none" w="med" len="med"/>
                       <a:tailEnd type="none" w="med" len="med"/>
                     </a:lnL>
-                    <a:lnR cmpd="sng" algn="ctr" cap="flat" w="38100">
+                    <a:lnR w="38100" cap="flat" cmpd="sng" algn="ctr">
                       <a:solidFill>
                         <a:srgbClr val="FFFFFF"/>
                       </a:solidFill>
@@ -6056,7 +6012,7 @@
                       <a:headEnd type="none" w="med" len="med"/>
                       <a:tailEnd type="none" w="med" len="med"/>
                     </a:lnR>
-                    <a:lnT cmpd="sng" algn="ctr" cap="flat" w="38100">
+                    <a:lnT w="38100" cap="flat" cmpd="sng" algn="ctr">
                       <a:solidFill>
                         <a:srgbClr val="FFFFFF"/>
                       </a:solidFill>
@@ -6065,7 +6021,7 @@
                       <a:headEnd type="none" w="med" len="med"/>
                       <a:tailEnd type="none" w="med" len="med"/>
                     </a:lnT>
-                    <a:lnB cmpd="sng" algn="ctr" cap="flat" w="38100">
+                    <a:lnB w="38100" cap="flat" cmpd="sng" algn="ctr">
                       <a:solidFill>
                         <a:srgbClr val="FFFFFF"/>
                       </a:solidFill>
@@ -6076,11 +6032,16 @@
                     </a:lnB>
                   </a:tcPr>
                 </a:tc>
+                <a:extLst>
+                  <a:ext uri="{0D108BD9-81ED-4DB2-BD59-A6C34878D82A}">
+                    <a16:rowId xmlns:a16="http://schemas.microsoft.com/office/drawing/2014/main" val="10001"/>
+                  </a:ext>
+                </a:extLst>
               </a:tr>
               <a:tr h="1126947">
                 <a:tc>
                   <a:txBody>
-                    <a:bodyPr anchor="t" rtlCol="false"/>
+                    <a:bodyPr/>
                     <a:lstStyle/>
                     <a:p>
                       <a:pPr algn="ctr">
@@ -6105,7 +6066,7 @@
                     </a:p>
                   </a:txBody>
                   <a:tcPr marL="190500" marR="190500" marT="190500" marB="190500" anchor="ctr">
-                    <a:lnL cmpd="sng" algn="ctr" cap="flat" w="38100">
+                    <a:lnL w="38100" cap="flat" cmpd="sng" algn="ctr">
                       <a:solidFill>
                         <a:srgbClr val="FFFFFF"/>
                       </a:solidFill>
@@ -6114,7 +6075,7 @@
                       <a:headEnd type="none" w="med" len="med"/>
                       <a:tailEnd type="none" w="med" len="med"/>
                     </a:lnL>
-                    <a:lnR cmpd="sng" algn="ctr" cap="flat" w="38100">
+                    <a:lnR w="38100" cap="flat" cmpd="sng" algn="ctr">
                       <a:solidFill>
                         <a:srgbClr val="FFFFFF"/>
                       </a:solidFill>
@@ -6123,7 +6084,7 @@
                       <a:headEnd type="none" w="med" len="med"/>
                       <a:tailEnd type="none" w="med" len="med"/>
                     </a:lnR>
-                    <a:lnT cmpd="sng" algn="ctr" cap="flat" w="38100">
+                    <a:lnT w="38100" cap="flat" cmpd="sng" algn="ctr">
                       <a:solidFill>
                         <a:srgbClr val="FFFFFF"/>
                       </a:solidFill>
@@ -6132,7 +6093,7 @@
                       <a:headEnd type="none" w="med" len="med"/>
                       <a:tailEnd type="none" w="med" len="med"/>
                     </a:lnT>
-                    <a:lnB cmpd="sng" algn="ctr" cap="flat" w="38100">
+                    <a:lnB w="38100" cap="flat" cmpd="sng" algn="ctr">
                       <a:solidFill>
                         <a:srgbClr val="FFFFFF"/>
                       </a:solidFill>
@@ -6145,7 +6106,7 @@
                 </a:tc>
                 <a:tc>
                   <a:txBody>
-                    <a:bodyPr anchor="t" rtlCol="false"/>
+                    <a:bodyPr/>
                     <a:lstStyle/>
                     <a:p>
                       <a:pPr algn="ctr">
@@ -6170,7 +6131,7 @@
                     </a:p>
                   </a:txBody>
                   <a:tcPr marL="190500" marR="190500" marT="190500" marB="190500" anchor="ctr">
-                    <a:lnL cmpd="sng" algn="ctr" cap="flat" w="38100">
+                    <a:lnL w="38100" cap="flat" cmpd="sng" algn="ctr">
                       <a:solidFill>
                         <a:srgbClr val="FFFFFF"/>
                       </a:solidFill>
@@ -6179,7 +6140,7 @@
                       <a:headEnd type="none" w="med" len="med"/>
                       <a:tailEnd type="none" w="med" len="med"/>
                     </a:lnL>
-                    <a:lnR cmpd="sng" algn="ctr" cap="flat" w="38100">
+                    <a:lnR w="38100" cap="flat" cmpd="sng" algn="ctr">
                       <a:solidFill>
                         <a:srgbClr val="FFFFFF"/>
                       </a:solidFill>
@@ -6188,7 +6149,7 @@
                       <a:headEnd type="none" w="med" len="med"/>
                       <a:tailEnd type="none" w="med" len="med"/>
                     </a:lnR>
-                    <a:lnT cmpd="sng" algn="ctr" cap="flat" w="38100">
+                    <a:lnT w="38100" cap="flat" cmpd="sng" algn="ctr">
                       <a:solidFill>
                         <a:srgbClr val="FFFFFF"/>
                       </a:solidFill>
@@ -6197,7 +6158,7 @@
                       <a:headEnd type="none" w="med" len="med"/>
                       <a:tailEnd type="none" w="med" len="med"/>
                     </a:lnT>
-                    <a:lnB cmpd="sng" algn="ctr" cap="flat" w="38100">
+                    <a:lnB w="38100" cap="flat" cmpd="sng" algn="ctr">
                       <a:solidFill>
                         <a:srgbClr val="FFFFFF"/>
                       </a:solidFill>
@@ -6208,6 +6169,11 @@
                     </a:lnB>
                   </a:tcPr>
                 </a:tc>
+                <a:extLst>
+                  <a:ext uri="{0D108BD9-81ED-4DB2-BD59-A6C34878D82A}">
+                    <a16:rowId xmlns:a16="http://schemas.microsoft.com/office/drawing/2014/main" val="10002"/>
+                  </a:ext>
+                </a:extLst>
               </a:tr>
             </a:tbl>
           </a:graphicData>
@@ -6215,12 +6181,12 @@
       </p:graphicFrame>
       <p:sp>
         <p:nvSpPr>
-          <p:cNvPr name="TextBox 9" id="9"/>
-          <p:cNvSpPr txBox="true"/>
+          <p:cNvPr id="9" name="TextBox 9"/>
+          <p:cNvSpPr txBox="1"/>
           <p:nvPr/>
         </p:nvSpPr>
         <p:spPr>
-          <a:xfrm rot="0">
+          <a:xfrm>
             <a:off x="8460731" y="1698537"/>
             <a:ext cx="8269119" cy="3088640"/>
           </a:xfrm>
@@ -6229,7 +6195,7 @@
           </a:prstGeom>
         </p:spPr>
         <p:txBody>
-          <a:bodyPr anchor="t" rtlCol="false" tIns="0" lIns="0" bIns="0" rIns="0">
+          <a:bodyPr lIns="0" tIns="0" rIns="0" bIns="0" rtlCol="0" anchor="t">
             <a:spAutoFit/>
           </a:bodyPr>
           <a:lstStyle/>
@@ -6252,7 +6218,7 @@
               <a:t>The Imbalance Problem: We had </a:t>
             </a:r>
             <a:r>
-              <a:rPr lang="en-US" sz="2899" b="true">
+              <a:rPr lang="en-US" sz="2899" b="1">
                 <a:solidFill>
                   <a:srgbClr val="FFFFFF"/>
                 </a:solidFill>
@@ -6276,7 +6242,7 @@
               <a:t> non-fraud cases for every </a:t>
             </a:r>
             <a:r>
-              <a:rPr lang="en-US" sz="2899" b="true">
+              <a:rPr lang="en-US" sz="2899" b="1">
                 <a:solidFill>
                   <a:srgbClr val="FFFFFF"/>
                 </a:solidFill>
@@ -6304,12 +6270,12 @@
       </p:sp>
       <p:sp>
         <p:nvSpPr>
-          <p:cNvPr name="TextBox 10" id="10"/>
-          <p:cNvSpPr txBox="true"/>
+          <p:cNvPr id="10" name="TextBox 10"/>
+          <p:cNvSpPr txBox="1"/>
           <p:nvPr/>
         </p:nvSpPr>
         <p:spPr>
-          <a:xfrm rot="0">
+          <a:xfrm>
             <a:off x="8460731" y="628243"/>
             <a:ext cx="8656428" cy="1146494"/>
           </a:xfrm>
@@ -6318,7 +6284,7 @@
           </a:prstGeom>
         </p:spPr>
         <p:txBody>
-          <a:bodyPr anchor="t" rtlCol="false" tIns="0" lIns="0" bIns="0" rIns="0">
+          <a:bodyPr lIns="0" tIns="0" rIns="0" bIns="0" rtlCol="0" anchor="t">
             <a:spAutoFit/>
           </a:bodyPr>
           <a:lstStyle/>
@@ -6329,7 +6295,7 @@
               </a:lnSpc>
             </a:pPr>
             <a:r>
-              <a:rPr lang="en-US" sz="7919" spc="-356" b="true">
+              <a:rPr lang="en-US" sz="7919" b="1" spc="-356">
                 <a:solidFill>
                   <a:srgbClr val="FFFFFF"/>
                 </a:solidFill>
@@ -6345,12 +6311,12 @@
       </p:sp>
       <p:grpSp>
         <p:nvGrpSpPr>
-          <p:cNvPr name="Group 11" id="11"/>
+          <p:cNvPr id="11" name="Group 11"/>
           <p:cNvGrpSpPr/>
           <p:nvPr/>
         </p:nvGrpSpPr>
         <p:grpSpPr>
-          <a:xfrm rot="0">
+          <a:xfrm>
             <a:off x="803986" y="5143500"/>
             <a:ext cx="16876561" cy="4969081"/>
             <a:chOff x="0" y="0"/>
@@ -6359,12 +6325,12 @@
         </p:grpSpPr>
         <p:sp>
           <p:nvSpPr>
-            <p:cNvPr name="Freeform 12" id="12"/>
+            <p:cNvPr id="12" name="Freeform 12"/>
             <p:cNvSpPr/>
             <p:nvPr/>
           </p:nvSpPr>
           <p:spPr>
-            <a:xfrm flipH="false" flipV="false" rot="0">
+            <a:xfrm>
               <a:off x="0" y="0"/>
               <a:ext cx="4444855" cy="1308729"/>
             </a:xfrm>
@@ -6373,9 +6339,9 @@
               <a:gdLst/>
               <a:ahLst/>
               <a:cxnLst/>
-              <a:rect r="r" b="b" t="t" l="l"/>
+              <a:rect l="l" t="t" r="r" b="b"/>
               <a:pathLst>
-                <a:path h="1308729" w="4444855">
+                <a:path w="4444855" h="1308729">
                   <a:moveTo>
                     <a:pt x="25689" y="0"/>
                   </a:moveTo>
@@ -6415,7 +6381,7 @@
                 </a:path>
               </a:pathLst>
             </a:custGeom>
-            <a:gradFill rotWithShape="true">
+            <a:gradFill rotWithShape="1">
               <a:gsLst>
                 <a:gs pos="0">
                   <a:srgbClr val="000F9B">
@@ -6434,16 +6400,16 @@
                 </a:gs>
               </a:gsLst>
               <a:path path="circle">
-                <a:fillToRect l="0" r="100000" t="0" b="100000"/>
+                <a:fillToRect r="100000" b="100000"/>
               </a:path>
-              <a:tileRect r="0" l="-100000" b="0" t="-100000"/>
+              <a:tileRect l="-100000" t="-100000"/>
             </a:gradFill>
           </p:spPr>
         </p:sp>
         <p:sp>
           <p:nvSpPr>
-            <p:cNvPr name="TextBox 13" id="13"/>
-            <p:cNvSpPr txBox="true"/>
+            <p:cNvPr id="13" name="TextBox 13"/>
+            <p:cNvSpPr txBox="1"/>
             <p:nvPr/>
           </p:nvSpPr>
           <p:spPr>
@@ -6456,7 +6422,7 @@
             </a:prstGeom>
           </p:spPr>
           <p:txBody>
-            <a:bodyPr anchor="ctr" rtlCol="false" tIns="50800" lIns="50800" bIns="50800" rIns="50800"/>
+            <a:bodyPr lIns="50800" tIns="50800" rIns="50800" bIns="50800" rtlCol="0" anchor="ctr"/>
             <a:lstStyle/>
             <a:p>
               <a:pPr algn="ctr">
@@ -6464,18 +6430,19 @@
                   <a:spcPts val="3151"/>
                 </a:lnSpc>
               </a:pPr>
+              <a:endParaRPr/>
             </a:p>
           </p:txBody>
         </p:sp>
       </p:grpSp>
       <p:sp>
         <p:nvSpPr>
-          <p:cNvPr name="TextBox 14" id="14"/>
-          <p:cNvSpPr txBox="true"/>
+          <p:cNvPr id="14" name="TextBox 14"/>
+          <p:cNvSpPr txBox="1"/>
           <p:nvPr/>
         </p:nvSpPr>
         <p:spPr>
-          <a:xfrm rot="0">
+          <a:xfrm>
             <a:off x="1028700" y="6364140"/>
             <a:ext cx="16313174" cy="3602990"/>
           </a:xfrm>
@@ -6484,7 +6451,7 @@
           </a:prstGeom>
         </p:spPr>
         <p:txBody>
-          <a:bodyPr anchor="t" rtlCol="false" tIns="0" lIns="0" bIns="0" rIns="0">
+          <a:bodyPr lIns="0" tIns="0" rIns="0" bIns="0" rtlCol="0" anchor="t">
             <a:spAutoFit/>
           </a:bodyPr>
           <a:lstStyle/>
@@ -6507,7 +6474,7 @@
               <a:t>XGBoost is the ideal solution for our class imbalance problem due to its sequential, error-correcting architecture and its specialized parameter control. Architecturally, XGBoost builds trees that constantly correct the mistakes of the previous trees, naturally forcing it to focus on the difficult-to-classify Fraud cases. Critically, we control this focus using the </a:t>
             </a:r>
             <a:r>
-              <a:rPr lang="en-US" sz="2899" b="true">
+              <a:rPr lang="en-US" sz="2899" b="1">
                 <a:solidFill>
                   <a:srgbClr val="FFFFFF"/>
                 </a:solidFill>
@@ -6531,7 +6498,7 @@
               <a:t>= </a:t>
             </a:r>
             <a:r>
-              <a:rPr lang="en-US" sz="2899" b="true">
+              <a:rPr lang="en-US" sz="2899" b="1">
                 <a:solidFill>
                   <a:srgbClr val="FFFFFF"/>
                 </a:solidFill>
@@ -6555,7 +6522,7 @@
               <a:t>parameter, which </a:t>
             </a:r>
             <a:r>
-              <a:rPr lang="en-US" sz="2899" b="true">
+              <a:rPr lang="en-US" sz="2899" b="1">
                 <a:solidFill>
                   <a:srgbClr val="FFFFFF"/>
                 </a:solidFill>
@@ -6583,12 +6550,12 @@
       </p:sp>
       <p:sp>
         <p:nvSpPr>
-          <p:cNvPr name="TextBox 15" id="15"/>
-          <p:cNvSpPr txBox="true"/>
+          <p:cNvPr id="15" name="TextBox 15"/>
+          <p:cNvSpPr txBox="1"/>
           <p:nvPr/>
         </p:nvSpPr>
         <p:spPr>
-          <a:xfrm rot="0">
+          <a:xfrm>
             <a:off x="1028700" y="5293846"/>
             <a:ext cx="8656428" cy="1146494"/>
           </a:xfrm>
@@ -6597,7 +6564,7 @@
           </a:prstGeom>
         </p:spPr>
         <p:txBody>
-          <a:bodyPr anchor="t" rtlCol="false" tIns="0" lIns="0" bIns="0" rIns="0">
+          <a:bodyPr lIns="0" tIns="0" rIns="0" bIns="0" rtlCol="0" anchor="t">
             <a:spAutoFit/>
           </a:bodyPr>
           <a:lstStyle/>
@@ -6608,7 +6575,7 @@
               </a:lnSpc>
             </a:pPr>
             <a:r>
-              <a:rPr lang="en-US" sz="7919" spc="-356" b="true">
+              <a:rPr lang="en-US" sz="7919" b="1" spc="-356">
                 <a:solidFill>
                   <a:srgbClr val="FFFFFF"/>
                 </a:solidFill>
@@ -6631,11 +6598,11 @@
 </file>
 
 <file path=ppt/slides/slide6.xml><?xml version="1.0" encoding="utf-8"?>
-<p:sld xmlns:p="http://schemas.openxmlformats.org/presentationml/2006/main" xmlns:a="http://schemas.openxmlformats.org/drawingml/2006/main" xmlns:r="http://schemas.openxmlformats.org/officeDocument/2006/relationships">
+<p:sld xmlns:a="http://schemas.openxmlformats.org/drawingml/2006/main" xmlns:r="http://schemas.openxmlformats.org/officeDocument/2006/relationships" xmlns:p="http://schemas.openxmlformats.org/presentationml/2006/main">
   <p:cSld>
     <p:bg>
       <p:bgPr>
-        <a:gradFill rotWithShape="true">
+        <a:gradFill rotWithShape="1">
           <a:gsLst>
             <a:gs pos="0">
               <a:srgbClr val="000000">
@@ -6649,10 +6616,11 @@
             </a:gs>
           </a:gsLst>
           <a:path path="circle">
-            <a:fillToRect l="0" r="100000" t="0" b="100000"/>
+            <a:fillToRect r="100000" b="100000"/>
           </a:path>
-          <a:tileRect r="0" l="-100000" b="0" t="-100000"/>
+          <a:tileRect l="-100000" t="-100000"/>
         </a:gradFill>
+        <a:effectLst/>
       </p:bgPr>
     </p:bg>
     <p:spTree>
@@ -6671,12 +6639,12 @@
       </p:grpSpPr>
       <p:grpSp>
         <p:nvGrpSpPr>
-          <p:cNvPr name="Group 2" id="2"/>
+          <p:cNvPr id="2" name="Group 2"/>
           <p:cNvGrpSpPr/>
           <p:nvPr/>
         </p:nvGrpSpPr>
         <p:grpSpPr>
-          <a:xfrm rot="0">
+          <a:xfrm>
             <a:off x="296111" y="349538"/>
             <a:ext cx="17695777" cy="9587924"/>
             <a:chOff x="0" y="0"/>
@@ -6685,12 +6653,12 @@
         </p:grpSpPr>
         <p:sp>
           <p:nvSpPr>
-            <p:cNvPr name="Freeform 3" id="3"/>
+            <p:cNvPr id="3" name="Freeform 3"/>
             <p:cNvSpPr/>
             <p:nvPr/>
           </p:nvSpPr>
           <p:spPr>
-            <a:xfrm flipH="false" flipV="false" rot="0">
+            <a:xfrm>
               <a:off x="0" y="0"/>
               <a:ext cx="4660616" cy="2525215"/>
             </a:xfrm>
@@ -6699,9 +6667,9 @@
               <a:gdLst/>
               <a:ahLst/>
               <a:cxnLst/>
-              <a:rect r="r" b="b" t="t" l="l"/>
+              <a:rect l="l" t="t" r="r" b="b"/>
               <a:pathLst>
-                <a:path h="2525215" w="4660616">
+                <a:path w="4660616" h="2525215">
                   <a:moveTo>
                     <a:pt x="24500" y="0"/>
                   </a:moveTo>
@@ -6755,8 +6723,8 @@
         </p:sp>
         <p:sp>
           <p:nvSpPr>
-            <p:cNvPr name="TextBox 4" id="4"/>
-            <p:cNvSpPr txBox="true"/>
+            <p:cNvPr id="4" name="TextBox 4"/>
+            <p:cNvSpPr txBox="1"/>
             <p:nvPr/>
           </p:nvSpPr>
           <p:spPr>
@@ -6769,7 +6737,7 @@
             </a:prstGeom>
           </p:spPr>
           <p:txBody>
-            <a:bodyPr anchor="ctr" rtlCol="false" tIns="50800" lIns="50800" bIns="50800" rIns="50800"/>
+            <a:bodyPr lIns="50800" tIns="50800" rIns="50800" bIns="50800" rtlCol="0" anchor="ctr"/>
             <a:lstStyle/>
             <a:p>
               <a:pPr algn="ctr">
@@ -6780,18 +6748,19 @@
                   <a:spcPct val="0"/>
                 </a:spcBef>
               </a:pPr>
+              <a:endParaRPr/>
             </a:p>
           </p:txBody>
         </p:sp>
       </p:grpSp>
       <p:grpSp>
         <p:nvGrpSpPr>
-          <p:cNvPr name="Group 5" id="5"/>
+          <p:cNvPr id="5" name="Group 5"/>
           <p:cNvGrpSpPr/>
           <p:nvPr/>
         </p:nvGrpSpPr>
         <p:grpSpPr>
-          <a:xfrm rot="0">
+          <a:xfrm>
             <a:off x="819952" y="2465442"/>
             <a:ext cx="9883217" cy="7219042"/>
             <a:chOff x="0" y="0"/>
@@ -6800,12 +6769,12 @@
         </p:grpSpPr>
         <p:sp>
           <p:nvSpPr>
-            <p:cNvPr name="Freeform 6" id="6"/>
+            <p:cNvPr id="6" name="Freeform 6"/>
             <p:cNvSpPr/>
             <p:nvPr/>
           </p:nvSpPr>
           <p:spPr>
-            <a:xfrm flipH="false" flipV="false" rot="0">
+            <a:xfrm>
               <a:off x="0" y="0"/>
               <a:ext cx="2602987" cy="1901311"/>
             </a:xfrm>
@@ -6814,9 +6783,9 @@
               <a:gdLst/>
               <a:ahLst/>
               <a:cxnLst/>
-              <a:rect r="r" b="b" t="t" l="l"/>
+              <a:rect l="l" t="t" r="r" b="b"/>
               <a:pathLst>
-                <a:path h="1901311" w="2602987">
+                <a:path w="2602987" h="1901311">
                   <a:moveTo>
                     <a:pt x="43867" y="0"/>
                   </a:moveTo>
@@ -6870,8 +6839,8 @@
         </p:sp>
         <p:sp>
           <p:nvSpPr>
-            <p:cNvPr name="TextBox 7" id="7"/>
-            <p:cNvSpPr txBox="true"/>
+            <p:cNvPr id="7" name="TextBox 7"/>
+            <p:cNvSpPr txBox="1"/>
             <p:nvPr/>
           </p:nvSpPr>
           <p:spPr>
@@ -6884,7 +6853,7 @@
             </a:prstGeom>
           </p:spPr>
           <p:txBody>
-            <a:bodyPr anchor="ctr" rtlCol="false" tIns="50800" lIns="50800" bIns="50800" rIns="50800"/>
+            <a:bodyPr lIns="50800" tIns="50800" rIns="50800" bIns="50800" rtlCol="0" anchor="ctr"/>
             <a:lstStyle/>
             <a:p>
               <a:pPr algn="ctr">
@@ -6895,18 +6864,19 @@
                   <a:spcPct val="0"/>
                 </a:spcBef>
               </a:pPr>
+              <a:endParaRPr/>
             </a:p>
           </p:txBody>
         </p:sp>
       </p:grpSp>
       <p:grpSp>
         <p:nvGrpSpPr>
-          <p:cNvPr name="Group 8" id="8"/>
+          <p:cNvPr id="8" name="Group 8"/>
           <p:cNvGrpSpPr/>
           <p:nvPr/>
         </p:nvGrpSpPr>
         <p:grpSpPr>
-          <a:xfrm rot="0">
+          <a:xfrm>
             <a:off x="819952" y="705698"/>
             <a:ext cx="16648096" cy="1477813"/>
             <a:chOff x="0" y="0"/>
@@ -6915,12 +6885,12 @@
         </p:grpSpPr>
         <p:sp>
           <p:nvSpPr>
-            <p:cNvPr name="Freeform 9" id="9"/>
+            <p:cNvPr id="9" name="Freeform 9"/>
             <p:cNvSpPr/>
             <p:nvPr/>
           </p:nvSpPr>
           <p:spPr>
-            <a:xfrm flipH="false" flipV="false" rot="0">
+            <a:xfrm>
               <a:off x="0" y="0"/>
               <a:ext cx="4384684" cy="389218"/>
             </a:xfrm>
@@ -6929,9 +6899,9 @@
               <a:gdLst/>
               <a:ahLst/>
               <a:cxnLst/>
-              <a:rect r="r" b="b" t="t" l="l"/>
+              <a:rect l="l" t="t" r="r" b="b"/>
               <a:pathLst>
-                <a:path h="389218" w="4384684">
+                <a:path w="4384684" h="389218">
                   <a:moveTo>
                     <a:pt x="26042" y="0"/>
                   </a:moveTo>
@@ -7000,8 +6970,8 @@
         </p:sp>
         <p:sp>
           <p:nvSpPr>
-            <p:cNvPr name="TextBox 10" id="10"/>
-            <p:cNvSpPr txBox="true"/>
+            <p:cNvPr id="10" name="TextBox 10"/>
+            <p:cNvSpPr txBox="1"/>
             <p:nvPr/>
           </p:nvSpPr>
           <p:spPr>
@@ -7014,7 +6984,7 @@
             </a:prstGeom>
           </p:spPr>
           <p:txBody>
-            <a:bodyPr anchor="ctr" rtlCol="false" tIns="50800" lIns="50800" bIns="50800" rIns="50800"/>
+            <a:bodyPr lIns="50800" tIns="50800" rIns="50800" bIns="50800" rtlCol="0" anchor="ctr"/>
             <a:lstStyle/>
             <a:p>
               <a:pPr algn="ctr">
@@ -7025,18 +6995,19 @@
                   <a:spcPct val="0"/>
                 </a:spcBef>
               </a:pPr>
+              <a:endParaRPr/>
             </a:p>
           </p:txBody>
         </p:sp>
       </p:grpSp>
       <p:sp>
         <p:nvSpPr>
-          <p:cNvPr name="Freeform 11" id="11"/>
+          <p:cNvPr id="11" name="Freeform 11"/>
           <p:cNvSpPr/>
           <p:nvPr/>
         </p:nvSpPr>
         <p:spPr>
-          <a:xfrm flipH="false" flipV="false" rot="0">
+          <a:xfrm>
             <a:off x="11002112" y="2465442"/>
             <a:ext cx="6449969" cy="7257350"/>
           </a:xfrm>
@@ -7045,9 +7016,9 @@
             <a:gdLst/>
             <a:ahLst/>
             <a:cxnLst/>
-            <a:rect r="r" b="b" t="t" l="l"/>
+            <a:rect l="l" t="t" r="r" b="b"/>
             <a:pathLst>
-              <a:path h="7257350" w="6449969">
+              <a:path w="6449969" h="7257350">
                 <a:moveTo>
                   <a:pt x="0" y="0"/>
                 </a:moveTo>
@@ -7070,19 +7041,19 @@
           <a:blipFill>
             <a:blip r:embed="rId2"/>
             <a:stretch>
-              <a:fillRect l="0" t="0" r="0" b="0"/>
+              <a:fillRect/>
             </a:stretch>
           </a:blipFill>
         </p:spPr>
       </p:sp>
       <p:sp>
         <p:nvSpPr>
-          <p:cNvPr name="TextBox 12" id="12"/>
-          <p:cNvSpPr txBox="true"/>
+          <p:cNvPr id="12" name="TextBox 12"/>
+          <p:cNvSpPr txBox="1"/>
           <p:nvPr/>
         </p:nvSpPr>
         <p:spPr>
-          <a:xfrm rot="0">
+          <a:xfrm>
             <a:off x="1028700" y="2680521"/>
             <a:ext cx="9387707" cy="6810375"/>
           </a:xfrm>
@@ -7091,7 +7062,7 @@
           </a:prstGeom>
         </p:spPr>
         <p:txBody>
-          <a:bodyPr anchor="t" rtlCol="false" tIns="0" lIns="0" bIns="0" rIns="0">
+          <a:bodyPr lIns="0" tIns="0" rIns="0" bIns="0" rtlCol="0" anchor="t">
             <a:spAutoFit/>
           </a:bodyPr>
           <a:lstStyle/>
@@ -7117,9 +7088,9 @@
                     </a:gs>
                   </a:gsLst>
                   <a:path path="circle">
-                    <a:fillToRect l="0" r="100000" t="0" b="100000"/>
+                    <a:fillToRect r="100000" b="100000"/>
                   </a:path>
-                  <a:tileRect r="0" l="-100000" b="0" t="-100000"/>
+                  <a:tileRect l="-100000" t="-100000"/>
                 </a:gradFill>
                 <a:latin typeface="Poppins"/>
                 <a:ea typeface="Poppins"/>
@@ -7129,7 +7100,7 @@
               <a:t>In our fraud detection project, XGBoost serves as the most powerful component, specifically tasked with correcting the severe Class Imbalance problem. We chose it because its sequential architecture naturally focuses on fixing errors, ensuring the rare Fraud cases are prioritized. By setting the </a:t>
             </a:r>
             <a:r>
-              <a:rPr lang="en-US" b="true" sz="2999">
+              <a:rPr lang="en-US" sz="2999" b="1">
                 <a:gradFill>
                   <a:gsLst>
                     <a:gs pos="0">
@@ -7144,9 +7115,9 @@
                     </a:gs>
                   </a:gsLst>
                   <a:path path="circle">
-                    <a:fillToRect l="0" r="100000" t="0" b="100000"/>
+                    <a:fillToRect r="100000" b="100000"/>
                   </a:path>
-                  <a:tileRect r="0" l="-100000" b="0" t="-100000"/>
+                  <a:tileRect l="-100000" t="-100000"/>
                 </a:gradFill>
                 <a:latin typeface="Poppins Bold"/>
                 <a:ea typeface="Poppins Bold"/>
@@ -7171,9 +7142,9 @@
                     </a:gs>
                   </a:gsLst>
                   <a:path path="circle">
-                    <a:fillToRect l="0" r="100000" t="0" b="100000"/>
+                    <a:fillToRect r="100000" b="100000"/>
                   </a:path>
-                  <a:tileRect r="0" l="-100000" b="0" t="-100000"/>
+                  <a:tileRect l="-100000" t="-100000"/>
                 </a:gradFill>
                 <a:latin typeface="Poppins"/>
                 <a:ea typeface="Poppins"/>
@@ -7183,7 +7154,7 @@
               <a:t>= </a:t>
             </a:r>
             <a:r>
-              <a:rPr lang="en-US" b="true" sz="2999">
+              <a:rPr lang="en-US" sz="2999" b="1">
                 <a:gradFill>
                   <a:gsLst>
                     <a:gs pos="0">
@@ -7198,9 +7169,9 @@
                     </a:gs>
                   </a:gsLst>
                   <a:path path="circle">
-                    <a:fillToRect l="0" r="100000" t="0" b="100000"/>
+                    <a:fillToRect r="100000" b="100000"/>
                   </a:path>
-                  <a:tileRect r="0" l="-100000" b="0" t="-100000"/>
+                  <a:tileRect l="-100000" t="-100000"/>
                 </a:gradFill>
                 <a:latin typeface="Poppins Bold"/>
                 <a:ea typeface="Poppins Bold"/>
@@ -7225,9 +7196,9 @@
                     </a:gs>
                   </a:gsLst>
                   <a:path path="circle">
-                    <a:fillToRect l="0" r="100000" t="0" b="100000"/>
+                    <a:fillToRect r="100000" b="100000"/>
                   </a:path>
-                  <a:tileRect r="0" l="-100000" b="0" t="-100000"/>
+                  <a:tileRect l="-100000" t="-100000"/>
                 </a:gradFill>
                 <a:latin typeface="Poppins"/>
                 <a:ea typeface="Poppins"/>
@@ -7237,7 +7208,7 @@
               <a:t>parameter, we amplified the cost of missing fraud, forcing the model to become a reliable detector. The other parameters </a:t>
             </a:r>
             <a:r>
-              <a:rPr lang="en-US" b="true" sz="2999">
+              <a:rPr lang="en-US" sz="2999" b="1">
                 <a:gradFill>
                   <a:gsLst>
                     <a:gs pos="0">
@@ -7252,9 +7223,9 @@
                     </a:gs>
                   </a:gsLst>
                   <a:path path="circle">
-                    <a:fillToRect l="0" r="100000" t="0" b="100000"/>
+                    <a:fillToRect r="100000" b="100000"/>
                   </a:path>
-                  <a:tileRect r="0" l="-100000" b="0" t="-100000"/>
+                  <a:tileRect l="-100000" t="-100000"/>
                 </a:gradFill>
                 <a:latin typeface="Poppins Bold"/>
                 <a:ea typeface="Poppins Bold"/>
@@ -7279,9 +7250,9 @@
                     </a:gs>
                   </a:gsLst>
                   <a:path path="circle">
-                    <a:fillToRect l="0" r="100000" t="0" b="100000"/>
+                    <a:fillToRect r="100000" b="100000"/>
                   </a:path>
-                  <a:tileRect r="0" l="-100000" b="0" t="-100000"/>
+                  <a:tileRect l="-100000" t="-100000"/>
                 </a:gradFill>
                 <a:latin typeface="Poppins"/>
                 <a:ea typeface="Poppins"/>
@@ -7291,7 +7262,7 @@
               <a:t> </a:t>
             </a:r>
             <a:r>
-              <a:rPr lang="en-US" b="true" sz="2999">
+              <a:rPr lang="en-US" sz="2999" b="1">
                 <a:gradFill>
                   <a:gsLst>
                     <a:gs pos="0">
@@ -7306,9 +7277,9 @@
                     </a:gs>
                   </a:gsLst>
                   <a:path path="circle">
-                    <a:fillToRect l="0" r="100000" t="0" b="100000"/>
+                    <a:fillToRect r="100000" b="100000"/>
                   </a:path>
-                  <a:tileRect r="0" l="-100000" b="0" t="-100000"/>
+                  <a:tileRect l="-100000" t="-100000"/>
                 </a:gradFill>
                 <a:latin typeface="Poppins Bold"/>
                 <a:ea typeface="Poppins Bold"/>
@@ -7333,9 +7304,9 @@
                     </a:gs>
                   </a:gsLst>
                   <a:path path="circle">
-                    <a:fillToRect l="0" r="100000" t="0" b="100000"/>
+                    <a:fillToRect r="100000" b="100000"/>
                   </a:path>
-                  <a:tileRect r="0" l="-100000" b="0" t="-100000"/>
+                  <a:tileRect l="-100000" t="-100000"/>
                 </a:gradFill>
                 <a:latin typeface="Poppins"/>
                 <a:ea typeface="Poppins"/>
@@ -7349,12 +7320,12 @@
       </p:sp>
       <p:sp>
         <p:nvSpPr>
-          <p:cNvPr name="TextBox 13" id="13"/>
-          <p:cNvSpPr txBox="true"/>
+          <p:cNvPr id="13" name="TextBox 13"/>
+          <p:cNvSpPr txBox="1"/>
           <p:nvPr/>
         </p:nvSpPr>
         <p:spPr>
-          <a:xfrm rot="0">
+          <a:xfrm>
             <a:off x="803986" y="914824"/>
             <a:ext cx="16648096" cy="1107185"/>
           </a:xfrm>
@@ -7363,7 +7334,7 @@
           </a:prstGeom>
         </p:spPr>
         <p:txBody>
-          <a:bodyPr anchor="t" rtlCol="false" tIns="0" lIns="0" bIns="0" rIns="0">
+          <a:bodyPr lIns="0" tIns="0" rIns="0" bIns="0" rtlCol="0" anchor="t">
             <a:spAutoFit/>
           </a:bodyPr>
           <a:lstStyle/>
@@ -7374,7 +7345,7 @@
               </a:lnSpc>
             </a:pPr>
             <a:r>
-              <a:rPr lang="en-US" b="true" sz="7599" spc="-341">
+              <a:rPr lang="en-US" sz="7599" b="1" spc="-341">
                 <a:gradFill>
                   <a:gsLst>
                     <a:gs pos="0">
@@ -7389,9 +7360,9 @@
                     </a:gs>
                   </a:gsLst>
                   <a:path path="circle">
-                    <a:fillToRect l="0" r="100000" t="0" b="100000"/>
+                    <a:fillToRect r="100000" b="100000"/>
                   </a:path>
-                  <a:tileRect r="0" l="-100000" b="0" t="-100000"/>
+                  <a:tileRect l="-100000" t="-100000"/>
                 </a:gradFill>
                 <a:latin typeface="Telegraf Bold"/>
                 <a:ea typeface="Telegraf Bold"/>
@@ -7412,11 +7383,11 @@
 </file>
 
 <file path=ppt/slides/slide7.xml><?xml version="1.0" encoding="utf-8"?>
-<p:sld xmlns:p="http://schemas.openxmlformats.org/presentationml/2006/main" xmlns:a="http://schemas.openxmlformats.org/drawingml/2006/main" xmlns:r="http://schemas.openxmlformats.org/officeDocument/2006/relationships">
+<p:sld xmlns:a="http://schemas.openxmlformats.org/drawingml/2006/main" xmlns:r="http://schemas.openxmlformats.org/officeDocument/2006/relationships" xmlns:p="http://schemas.openxmlformats.org/presentationml/2006/main">
   <p:cSld>
     <p:bg>
       <p:bgPr>
-        <a:gradFill rotWithShape="true">
+        <a:gradFill rotWithShape="1">
           <a:gsLst>
             <a:gs pos="0">
               <a:srgbClr val="000000">
@@ -7430,10 +7401,11 @@
             </a:gs>
           </a:gsLst>
           <a:path path="circle">
-            <a:fillToRect l="0" r="100000" t="0" b="100000"/>
+            <a:fillToRect r="100000" b="100000"/>
           </a:path>
-          <a:tileRect r="0" l="-100000" b="0" t="-100000"/>
+          <a:tileRect l="-100000" t="-100000"/>
         </a:gradFill>
+        <a:effectLst/>
       </p:bgPr>
     </p:bg>
     <p:spTree>
@@ -7452,12 +7424,12 @@
       </p:grpSpPr>
       <p:grpSp>
         <p:nvGrpSpPr>
-          <p:cNvPr name="Group 2" id="2"/>
+          <p:cNvPr id="2" name="Group 2"/>
           <p:cNvGrpSpPr/>
           <p:nvPr/>
         </p:nvGrpSpPr>
         <p:grpSpPr>
-          <a:xfrm rot="0">
+          <a:xfrm>
             <a:off x="803986" y="401959"/>
             <a:ext cx="8641761" cy="9291880"/>
             <a:chOff x="0" y="0"/>
@@ -7466,12 +7438,12 @@
         </p:grpSpPr>
         <p:sp>
           <p:nvSpPr>
-            <p:cNvPr name="Freeform 3" id="3"/>
+            <p:cNvPr id="3" name="Freeform 3"/>
             <p:cNvSpPr/>
             <p:nvPr/>
           </p:nvSpPr>
           <p:spPr>
-            <a:xfrm flipH="false" flipV="false" rot="0">
+            <a:xfrm>
               <a:off x="0" y="0"/>
               <a:ext cx="2276019" cy="2447244"/>
             </a:xfrm>
@@ -7480,9 +7452,9 @@
               <a:gdLst/>
               <a:ahLst/>
               <a:cxnLst/>
-              <a:rect r="r" b="b" t="t" l="l"/>
+              <a:rect l="l" t="t" r="r" b="b"/>
               <a:pathLst>
-                <a:path h="2447244" w="2276019">
+                <a:path w="2276019" h="2447244">
                   <a:moveTo>
                     <a:pt x="50169" y="0"/>
                   </a:moveTo>
@@ -7542,7 +7514,7 @@
                 </a:path>
               </a:pathLst>
             </a:custGeom>
-            <a:gradFill rotWithShape="true">
+            <a:gradFill rotWithShape="1">
               <a:gsLst>
                 <a:gs pos="0">
                   <a:srgbClr val="000000">
@@ -7561,8 +7533,8 @@
         </p:sp>
         <p:sp>
           <p:nvSpPr>
-            <p:cNvPr name="TextBox 4" id="4"/>
-            <p:cNvSpPr txBox="true"/>
+            <p:cNvPr id="4" name="TextBox 4"/>
+            <p:cNvSpPr txBox="1"/>
             <p:nvPr/>
           </p:nvSpPr>
           <p:spPr>
@@ -7575,7 +7547,7 @@
             </a:prstGeom>
           </p:spPr>
           <p:txBody>
-            <a:bodyPr anchor="ctr" rtlCol="false" tIns="50800" lIns="50800" bIns="50800" rIns="50800"/>
+            <a:bodyPr lIns="50800" tIns="50800" rIns="50800" bIns="50800" rtlCol="0" anchor="ctr"/>
             <a:lstStyle/>
             <a:p>
               <a:pPr algn="ctr">
@@ -7583,18 +7555,19 @@
                   <a:spcPts val="3151"/>
                 </a:lnSpc>
               </a:pPr>
+              <a:endParaRPr/>
             </a:p>
           </p:txBody>
         </p:sp>
       </p:grpSp>
       <p:grpSp>
         <p:nvGrpSpPr>
-          <p:cNvPr name="Group 5" id="5"/>
+          <p:cNvPr id="5" name="Group 5"/>
           <p:cNvGrpSpPr/>
           <p:nvPr/>
         </p:nvGrpSpPr>
         <p:grpSpPr>
-          <a:xfrm rot="0">
+          <a:xfrm>
             <a:off x="13737619" y="7226139"/>
             <a:ext cx="3762344" cy="2467700"/>
             <a:chOff x="0" y="0"/>
@@ -7603,12 +7576,12 @@
         </p:grpSpPr>
         <p:sp>
           <p:nvSpPr>
-            <p:cNvPr name="Freeform 6" id="6"/>
+            <p:cNvPr id="6" name="Freeform 6"/>
             <p:cNvSpPr/>
             <p:nvPr/>
           </p:nvSpPr>
           <p:spPr>
-            <a:xfrm flipH="false" flipV="false" rot="0">
+            <a:xfrm>
               <a:off x="0" y="0"/>
               <a:ext cx="990905" cy="649929"/>
             </a:xfrm>
@@ -7617,9 +7590,9 @@
               <a:gdLst/>
               <a:ahLst/>
               <a:cxnLst/>
-              <a:rect r="r" b="b" t="t" l="l"/>
+              <a:rect l="l" t="t" r="r" b="b"/>
               <a:pathLst>
-                <a:path h="649929" w="990905">
+                <a:path w="990905" h="649929">
                   <a:moveTo>
                     <a:pt x="115233" y="0"/>
                   </a:moveTo>
@@ -7664,7 +7637,7 @@
                 </a:path>
               </a:pathLst>
             </a:custGeom>
-            <a:gradFill rotWithShape="true">
+            <a:gradFill rotWithShape="1">
               <a:gsLst>
                 <a:gs pos="0">
                   <a:srgbClr val="000F9B">
@@ -7683,16 +7656,16 @@
                 </a:gs>
               </a:gsLst>
               <a:path path="circle">
-                <a:fillToRect l="0" r="100000" t="0" b="100000"/>
+                <a:fillToRect r="100000" b="100000"/>
               </a:path>
-              <a:tileRect r="0" l="-100000" b="0" t="-100000"/>
+              <a:tileRect l="-100000" t="-100000"/>
             </a:gradFill>
           </p:spPr>
         </p:sp>
         <p:sp>
           <p:nvSpPr>
-            <p:cNvPr name="TextBox 7" id="7"/>
-            <p:cNvSpPr txBox="true"/>
+            <p:cNvPr id="7" name="TextBox 7"/>
+            <p:cNvSpPr txBox="1"/>
             <p:nvPr/>
           </p:nvSpPr>
           <p:spPr>
@@ -7705,7 +7678,7 @@
             </a:prstGeom>
           </p:spPr>
           <p:txBody>
-            <a:bodyPr anchor="ctr" rtlCol="false" tIns="50800" lIns="50800" bIns="50800" rIns="50800"/>
+            <a:bodyPr lIns="50800" tIns="50800" rIns="50800" bIns="50800" rtlCol="0" anchor="ctr"/>
             <a:lstStyle/>
             <a:p>
               <a:pPr algn="ctr">
@@ -7713,18 +7686,19 @@
                   <a:spcPts val="3151"/>
                 </a:lnSpc>
               </a:pPr>
+              <a:endParaRPr/>
             </a:p>
           </p:txBody>
         </p:sp>
       </p:grpSp>
       <p:grpSp>
         <p:nvGrpSpPr>
-          <p:cNvPr name="Group 8" id="8"/>
+          <p:cNvPr id="8" name="Group 8"/>
           <p:cNvGrpSpPr/>
           <p:nvPr/>
         </p:nvGrpSpPr>
         <p:grpSpPr>
-          <a:xfrm rot="0">
+          <a:xfrm>
             <a:off x="9975275" y="401959"/>
             <a:ext cx="7524688" cy="6423065"/>
             <a:chOff x="0" y="0"/>
@@ -7733,12 +7707,12 @@
         </p:grpSpPr>
         <p:sp>
           <p:nvSpPr>
-            <p:cNvPr name="Freeform 9" id="9"/>
+            <p:cNvPr id="9" name="Freeform 9"/>
             <p:cNvSpPr/>
             <p:nvPr/>
           </p:nvSpPr>
           <p:spPr>
-            <a:xfrm flipH="false" flipV="false" rot="0">
+            <a:xfrm>
               <a:off x="0" y="0"/>
               <a:ext cx="1165771" cy="995101"/>
             </a:xfrm>
@@ -7747,9 +7721,9 @@
               <a:gdLst/>
               <a:ahLst/>
               <a:cxnLst/>
-              <a:rect r="r" b="b" t="t" l="l"/>
+              <a:rect l="l" t="t" r="r" b="b"/>
               <a:pathLst>
-                <a:path h="995101" w="1165771">
+                <a:path w="1165771" h="995101">
                   <a:moveTo>
                     <a:pt x="57617" y="0"/>
                   </a:moveTo>
@@ -7812,7 +7786,7 @@
             <a:blipFill>
               <a:blip r:embed="rId2"/>
               <a:stretch>
-                <a:fillRect l="0" t="-3854" r="-2256" b="-1170"/>
+                <a:fillRect t="-3854" r="-2256" b="-1170"/>
               </a:stretch>
             </a:blipFill>
           </p:spPr>
@@ -7820,12 +7794,12 @@
       </p:grpSp>
       <p:sp>
         <p:nvSpPr>
-          <p:cNvPr name="TextBox 10" id="10"/>
-          <p:cNvSpPr txBox="true"/>
+          <p:cNvPr id="10" name="TextBox 10"/>
+          <p:cNvSpPr txBox="1"/>
           <p:nvPr/>
         </p:nvSpPr>
         <p:spPr>
-          <a:xfrm rot="0">
+          <a:xfrm>
             <a:off x="937200" y="1751259"/>
             <a:ext cx="8115300" cy="8387715"/>
           </a:xfrm>
@@ -7834,7 +7808,7 @@
           </a:prstGeom>
         </p:spPr>
         <p:txBody>
-          <a:bodyPr anchor="t" rtlCol="false" tIns="0" lIns="0" bIns="0" rIns="0">
+          <a:bodyPr lIns="0" tIns="0" rIns="0" bIns="0" rtlCol="0" anchor="t">
             <a:spAutoFit/>
           </a:bodyPr>
           <a:lstStyle/>
@@ -7857,7 +7831,7 @@
               <a:t>The metrics were achieved using the highly-tuned </a:t>
             </a:r>
             <a:r>
-              <a:rPr lang="en-US" sz="2399" b="true">
+              <a:rPr lang="en-US" sz="2399" b="1">
                 <a:solidFill>
                   <a:srgbClr val="FFFFFF"/>
                 </a:solidFill>
@@ -7881,7 +7855,7 @@
               <a:t>with the </a:t>
             </a:r>
             <a:r>
-              <a:rPr lang="en-US" sz="2399" b="true">
+              <a:rPr lang="en-US" sz="2399" b="1">
                 <a:solidFill>
                   <a:srgbClr val="FFFFFF"/>
                 </a:solidFill>
@@ -7911,13 +7885,22 @@
                 <a:spcPts val="3359"/>
               </a:lnSpc>
             </a:pPr>
-          </a:p>
-          <a:p>
-            <a:pPr algn="just" marL="518158" indent="-259079" lvl="1">
+            <a:endParaRPr lang="en-US" sz="2399">
+              <a:solidFill>
+                <a:srgbClr val="FFFFFF"/>
+              </a:solidFill>
+              <a:latin typeface="Poppins"/>
+              <a:ea typeface="Poppins"/>
+              <a:cs typeface="Poppins"/>
+              <a:sym typeface="Poppins"/>
+            </a:endParaRPr>
+          </a:p>
+          <a:p>
+            <a:pPr marL="518158" lvl="1" indent="-259079" algn="just">
               <a:lnSpc>
                 <a:spcPts val="3359"/>
               </a:lnSpc>
-              <a:buAutoNum type="arabicPeriod" startAt="1"/>
+              <a:buAutoNum type="arabicPeriod"/>
             </a:pPr>
             <a:r>
               <a:rPr lang="en-US" sz="2399">
@@ -7932,7 +7915,7 @@
               <a:t>ROC AUC: The </a:t>
             </a:r>
             <a:r>
-              <a:rPr lang="en-US" b="true" sz="2399">
+              <a:rPr lang="en-US" sz="2399" b="1">
                 <a:solidFill>
                   <a:srgbClr val="FFFFFF"/>
                 </a:solidFill>
@@ -7956,7 +7939,7 @@
               <a:t> Score (Area Under the Receiver Operating Characteristic Curve) is the definitive metric for our fraud detection project because it effectively ignores the </a:t>
             </a:r>
             <a:r>
-              <a:rPr lang="en-US" b="true" sz="2399">
+              <a:rPr lang="en-US" sz="2399" b="1">
                 <a:solidFill>
                   <a:srgbClr val="FFFFFF"/>
                 </a:solidFill>
@@ -8000,7 +7983,7 @@
             </a:r>
           </a:p>
           <a:p>
-            <a:pPr algn="just" marL="518158" indent="-259079" lvl="1">
+            <a:pPr marL="518158" lvl="1" indent="-259079" algn="just">
               <a:lnSpc>
                 <a:spcPts val="3359"/>
               </a:lnSpc>
@@ -8021,7 +8004,7 @@
             </a:r>
           </a:p>
           <a:p>
-            <a:pPr algn="just" marL="518158" indent="-259079" lvl="1">
+            <a:pPr marL="518158" lvl="1" indent="-259079" algn="just">
               <a:lnSpc>
                 <a:spcPts val="3359"/>
               </a:lnSpc>
@@ -8042,7 +8025,7 @@
             </a:r>
           </a:p>
           <a:p>
-            <a:pPr algn="just" marL="518158" indent="-259079" lvl="1">
+            <a:pPr marL="518158" lvl="1" indent="-259079" algn="just">
               <a:lnSpc>
                 <a:spcPts val="3359"/>
               </a:lnSpc>
@@ -8063,7 +8046,7 @@
             </a:r>
           </a:p>
           <a:p>
-            <a:pPr algn="just" marL="518158" indent="-259079" lvl="1">
+            <a:pPr marL="518158" lvl="1" indent="-259079" algn="just">
               <a:lnSpc>
                 <a:spcPts val="3359"/>
               </a:lnSpc>
@@ -8089,6 +8072,15 @@
                 <a:spcPts val="3359"/>
               </a:lnSpc>
             </a:pPr>
+            <a:endParaRPr lang="en-US" sz="2399">
+              <a:solidFill>
+                <a:srgbClr val="FFFFFF"/>
+              </a:solidFill>
+              <a:latin typeface="Poppins"/>
+              <a:ea typeface="Poppins"/>
+              <a:cs typeface="Poppins"/>
+              <a:sym typeface="Poppins"/>
+            </a:endParaRPr>
           </a:p>
           <a:p>
             <a:pPr algn="just">
@@ -8096,17 +8088,26 @@
                 <a:spcPts val="3359"/>
               </a:lnSpc>
             </a:pPr>
+            <a:endParaRPr lang="en-US" sz="2399">
+              <a:solidFill>
+                <a:srgbClr val="FFFFFF"/>
+              </a:solidFill>
+              <a:latin typeface="Poppins"/>
+              <a:ea typeface="Poppins"/>
+              <a:cs typeface="Poppins"/>
+              <a:sym typeface="Poppins"/>
+            </a:endParaRPr>
           </a:p>
         </p:txBody>
       </p:sp>
       <p:sp>
         <p:nvSpPr>
-          <p:cNvPr name="TextBox 11" id="11"/>
-          <p:cNvSpPr txBox="true"/>
+          <p:cNvPr id="11" name="TextBox 11"/>
+          <p:cNvSpPr txBox="1"/>
           <p:nvPr/>
         </p:nvSpPr>
         <p:spPr>
-          <a:xfrm rot="0">
+          <a:xfrm>
             <a:off x="1028700" y="671439"/>
             <a:ext cx="7719401" cy="1146494"/>
           </a:xfrm>
@@ -8115,7 +8116,7 @@
           </a:prstGeom>
         </p:spPr>
         <p:txBody>
-          <a:bodyPr anchor="t" rtlCol="false" tIns="0" lIns="0" bIns="0" rIns="0">
+          <a:bodyPr lIns="0" tIns="0" rIns="0" bIns="0" rtlCol="0" anchor="t">
             <a:spAutoFit/>
           </a:bodyPr>
           <a:lstStyle/>
@@ -8126,7 +8127,7 @@
               </a:lnSpc>
             </a:pPr>
             <a:r>
-              <a:rPr lang="en-US" sz="7919" spc="-356" b="true">
+              <a:rPr lang="en-US" sz="7919" b="1" spc="-356">
                 <a:solidFill>
                   <a:srgbClr val="FFFFFF"/>
                 </a:solidFill>
@@ -8142,12 +8143,12 @@
       </p:sp>
       <p:sp>
         <p:nvSpPr>
-          <p:cNvPr name="TextBox 12" id="12"/>
-          <p:cNvSpPr txBox="true"/>
+          <p:cNvPr id="12" name="TextBox 12"/>
+          <p:cNvSpPr txBox="1"/>
           <p:nvPr/>
         </p:nvSpPr>
         <p:spPr>
-          <a:xfrm rot="0">
+          <a:xfrm>
             <a:off x="13872712" y="8364738"/>
             <a:ext cx="3492157" cy="1226834"/>
           </a:xfrm>
@@ -8156,12 +8157,12 @@
           </a:prstGeom>
         </p:spPr>
         <p:txBody>
-          <a:bodyPr anchor="t" rtlCol="false" tIns="0" lIns="0" bIns="0" rIns="0">
+          <a:bodyPr lIns="0" tIns="0" rIns="0" bIns="0" rtlCol="0" anchor="t">
             <a:spAutoFit/>
           </a:bodyPr>
           <a:lstStyle/>
           <a:p>
-            <a:pPr algn="r" marL="0" indent="0" lvl="0">
+            <a:pPr marL="0" lvl="0" indent="0" algn="r">
               <a:lnSpc>
                 <a:spcPts val="4829"/>
               </a:lnSpc>
@@ -8186,12 +8187,12 @@
       </p:sp>
       <p:sp>
         <p:nvSpPr>
-          <p:cNvPr name="TextBox 13" id="13"/>
-          <p:cNvSpPr txBox="true"/>
+          <p:cNvPr id="13" name="TextBox 13"/>
+          <p:cNvSpPr txBox="1"/>
           <p:nvPr/>
         </p:nvSpPr>
         <p:spPr>
-          <a:xfrm rot="0">
+          <a:xfrm>
             <a:off x="-6171763" y="2755477"/>
             <a:ext cx="7719401" cy="409541"/>
           </a:xfrm>
@@ -8200,7 +8201,7 @@
           </a:prstGeom>
         </p:spPr>
         <p:txBody>
-          <a:bodyPr anchor="t" rtlCol="false" tIns="0" lIns="0" bIns="0" rIns="0">
+          <a:bodyPr lIns="0" tIns="0" rIns="0" bIns="0" rtlCol="0" anchor="t">
             <a:spAutoFit/>
           </a:bodyPr>
           <a:lstStyle/>
@@ -8230,12 +8231,12 @@
       </p:sp>
       <p:sp>
         <p:nvSpPr>
-          <p:cNvPr name="TextBox 14" id="14"/>
-          <p:cNvSpPr txBox="true"/>
+          <p:cNvPr id="14" name="TextBox 14"/>
+          <p:cNvSpPr txBox="1"/>
           <p:nvPr/>
         </p:nvSpPr>
         <p:spPr>
-          <a:xfrm rot="0">
+          <a:xfrm>
             <a:off x="9052500" y="4905392"/>
             <a:ext cx="182999" cy="409541"/>
           </a:xfrm>
@@ -8244,7 +8245,7 @@
           </a:prstGeom>
         </p:spPr>
         <p:txBody>
-          <a:bodyPr anchor="t" rtlCol="false" tIns="0" lIns="0" bIns="0" rIns="0">
+          <a:bodyPr lIns="0" tIns="0" rIns="0" bIns="0" rtlCol="0" anchor="t">
             <a:spAutoFit/>
           </a:bodyPr>
           <a:lstStyle/>
@@ -8274,12 +8275,12 @@
       </p:sp>
       <p:sp>
         <p:nvSpPr>
-          <p:cNvPr name="TextBox 15" id="15"/>
-          <p:cNvSpPr txBox="true"/>
+          <p:cNvPr id="15" name="TextBox 15"/>
+          <p:cNvSpPr txBox="1"/>
           <p:nvPr/>
         </p:nvSpPr>
         <p:spPr>
-          <a:xfrm rot="0">
+          <a:xfrm>
             <a:off x="13767143" y="7209038"/>
             <a:ext cx="3492157" cy="1250950"/>
           </a:xfrm>
@@ -8288,12 +8289,12 @@
           </a:prstGeom>
         </p:spPr>
         <p:txBody>
-          <a:bodyPr anchor="t" rtlCol="false" tIns="0" lIns="0" bIns="0" rIns="0">
+          <a:bodyPr lIns="0" tIns="0" rIns="0" bIns="0" rtlCol="0" anchor="t">
             <a:spAutoFit/>
           </a:bodyPr>
           <a:lstStyle/>
           <a:p>
-            <a:pPr algn="r" marL="0" indent="0" lvl="0">
+            <a:pPr marL="0" lvl="0" indent="0" algn="r">
               <a:lnSpc>
                 <a:spcPts val="9799"/>
               </a:lnSpc>
@@ -8302,7 +8303,7 @@
               </a:spcBef>
             </a:pPr>
             <a:r>
-              <a:rPr lang="en-US" b="true" sz="6999">
+              <a:rPr lang="en-US" sz="6999" b="1">
                 <a:solidFill>
                   <a:srgbClr val="FFFFFF"/>
                 </a:solidFill>
@@ -8318,12 +8319,12 @@
       </p:sp>
       <p:grpSp>
         <p:nvGrpSpPr>
-          <p:cNvPr name="Group 16" id="16"/>
+          <p:cNvPr id="16" name="Group 16"/>
           <p:cNvGrpSpPr/>
           <p:nvPr/>
         </p:nvGrpSpPr>
         <p:grpSpPr>
-          <a:xfrm rot="0">
+          <a:xfrm>
             <a:off x="9710511" y="7226139"/>
             <a:ext cx="3762344" cy="2467700"/>
             <a:chOff x="0" y="0"/>
@@ -8332,12 +8333,12 @@
         </p:grpSpPr>
         <p:sp>
           <p:nvSpPr>
-            <p:cNvPr name="Freeform 17" id="17"/>
+            <p:cNvPr id="17" name="Freeform 17"/>
             <p:cNvSpPr/>
             <p:nvPr/>
           </p:nvSpPr>
           <p:spPr>
-            <a:xfrm flipH="false" flipV="false" rot="0">
+            <a:xfrm>
               <a:off x="0" y="0"/>
               <a:ext cx="990905" cy="649929"/>
             </a:xfrm>
@@ -8346,9 +8347,9 @@
               <a:gdLst/>
               <a:ahLst/>
               <a:cxnLst/>
-              <a:rect r="r" b="b" t="t" l="l"/>
+              <a:rect l="l" t="t" r="r" b="b"/>
               <a:pathLst>
-                <a:path h="649929" w="990905">
+                <a:path w="990905" h="649929">
                   <a:moveTo>
                     <a:pt x="115233" y="0"/>
                   </a:moveTo>
@@ -8393,7 +8394,7 @@
                 </a:path>
               </a:pathLst>
             </a:custGeom>
-            <a:gradFill rotWithShape="true">
+            <a:gradFill rotWithShape="1">
               <a:gsLst>
                 <a:gs pos="0">
                   <a:srgbClr val="000F9B">
@@ -8412,16 +8413,16 @@
                 </a:gs>
               </a:gsLst>
               <a:path path="circle">
-                <a:fillToRect l="0" r="100000" t="0" b="100000"/>
+                <a:fillToRect r="100000" b="100000"/>
               </a:path>
-              <a:tileRect r="0" l="-100000" b="0" t="-100000"/>
+              <a:tileRect l="-100000" t="-100000"/>
             </a:gradFill>
           </p:spPr>
         </p:sp>
         <p:sp>
           <p:nvSpPr>
-            <p:cNvPr name="TextBox 18" id="18"/>
-            <p:cNvSpPr txBox="true"/>
+            <p:cNvPr id="18" name="TextBox 18"/>
+            <p:cNvSpPr txBox="1"/>
             <p:nvPr/>
           </p:nvSpPr>
           <p:spPr>
@@ -8434,7 +8435,7 @@
             </a:prstGeom>
           </p:spPr>
           <p:txBody>
-            <a:bodyPr anchor="ctr" rtlCol="false" tIns="50800" lIns="50800" bIns="50800" rIns="50800"/>
+            <a:bodyPr lIns="50800" tIns="50800" rIns="50800" bIns="50800" rtlCol="0" anchor="ctr"/>
             <a:lstStyle/>
             <a:p>
               <a:pPr algn="ctr">
@@ -8442,18 +8443,19 @@
                   <a:spcPts val="3151"/>
                 </a:lnSpc>
               </a:pPr>
+              <a:endParaRPr/>
             </a:p>
           </p:txBody>
         </p:sp>
       </p:grpSp>
       <p:sp>
         <p:nvSpPr>
-          <p:cNvPr name="TextBox 19" id="19"/>
-          <p:cNvSpPr txBox="true"/>
+          <p:cNvPr id="19" name="TextBox 19"/>
+          <p:cNvSpPr txBox="1"/>
           <p:nvPr/>
         </p:nvSpPr>
         <p:spPr>
-          <a:xfrm rot="0">
+          <a:xfrm>
             <a:off x="9710511" y="8526123"/>
             <a:ext cx="3492157" cy="617234"/>
           </a:xfrm>
@@ -8462,12 +8464,12 @@
           </a:prstGeom>
         </p:spPr>
         <p:txBody>
-          <a:bodyPr anchor="t" rtlCol="false" tIns="0" lIns="0" bIns="0" rIns="0">
+          <a:bodyPr lIns="0" tIns="0" rIns="0" bIns="0" rtlCol="0" anchor="t">
             <a:spAutoFit/>
           </a:bodyPr>
           <a:lstStyle/>
           <a:p>
-            <a:pPr algn="r" marL="0" indent="0" lvl="0">
+            <a:pPr marL="0" lvl="0" indent="0" algn="r">
               <a:lnSpc>
                 <a:spcPts val="4829"/>
               </a:lnSpc>
@@ -8492,12 +8494,12 @@
       </p:sp>
       <p:sp>
         <p:nvSpPr>
-          <p:cNvPr name="TextBox 20" id="20"/>
-          <p:cNvSpPr txBox="true"/>
+          <p:cNvPr id="20" name="TextBox 20"/>
+          <p:cNvSpPr txBox="1"/>
           <p:nvPr/>
         </p:nvSpPr>
         <p:spPr>
-          <a:xfrm rot="0">
+          <a:xfrm>
             <a:off x="9740035" y="7370423"/>
             <a:ext cx="3492157" cy="1250950"/>
           </a:xfrm>
@@ -8506,12 +8508,12 @@
           </a:prstGeom>
         </p:spPr>
         <p:txBody>
-          <a:bodyPr anchor="t" rtlCol="false" tIns="0" lIns="0" bIns="0" rIns="0">
+          <a:bodyPr lIns="0" tIns="0" rIns="0" bIns="0" rtlCol="0" anchor="t">
             <a:spAutoFit/>
           </a:bodyPr>
           <a:lstStyle/>
           <a:p>
-            <a:pPr algn="r" marL="0" indent="0" lvl="0">
+            <a:pPr marL="0" lvl="0" indent="0" algn="r">
               <a:lnSpc>
                 <a:spcPts val="9799"/>
               </a:lnSpc>
@@ -8520,7 +8522,7 @@
               </a:spcBef>
             </a:pPr>
             <a:r>
-              <a:rPr lang="en-US" b="true" sz="6999">
+              <a:rPr lang="en-US" sz="6999" b="1">
                 <a:solidFill>
                   <a:srgbClr val="FFFFFF"/>
                 </a:solidFill>
